--- a/LogosDelegatesLecture.pptx
+++ b/LogosDelegatesLecture.pptx
@@ -21,6 +21,7 @@
     <p:sldId id="269" r:id="rId15"/>
     <p:sldId id="270" r:id="rId16"/>
     <p:sldId id="271" r:id="rId17"/>
+    <p:sldId id="272" r:id="rId18"/>
   </p:sldIdLst>
   <p:sldSz cx="12192000" cy="6858000"/>
   <p:notesSz cx="6858000" cy="9144000"/>
@@ -140,6 +141,7 @@
             <p14:sldId id="269"/>
             <p14:sldId id="270"/>
             <p14:sldId id="271"/>
+            <p14:sldId id="272"/>
           </p14:sldIdLst>
         </p14:section>
       </p14:sectionLst>
@@ -359,7 +361,7 @@
             <a:fld id="{B61BEF0D-F0BB-DE4B-95CE-6DB70DBA9567}" type="datetimeFigureOut">
               <a:rPr lang="en-US" dirty="0"/>
               <a:pPr/>
-              <a:t>11/22/2016</a:t>
+              <a:t>11/24/2016</a:t>
             </a:fld>
             <a:endParaRPr lang="en-US" dirty="0"/>
           </a:p>
@@ -792,7 +794,7 @@
             <a:fld id="{B61BEF0D-F0BB-DE4B-95CE-6DB70DBA9567}" type="datetimeFigureOut">
               <a:rPr lang="en-US" dirty="0"/>
               <a:pPr/>
-              <a:t>11/22/2016</a:t>
+              <a:t>11/24/2016</a:t>
             </a:fld>
             <a:endParaRPr lang="en-US" dirty="0"/>
           </a:p>
@@ -1039,7 +1041,7 @@
             <a:fld id="{B61BEF0D-F0BB-DE4B-95CE-6DB70DBA9567}" type="datetimeFigureOut">
               <a:rPr lang="en-US" dirty="0"/>
               <a:pPr/>
-              <a:t>11/22/2016</a:t>
+              <a:t>11/24/2016</a:t>
             </a:fld>
             <a:endParaRPr lang="en-US" dirty="0"/>
           </a:p>
@@ -1344,7 +1346,7 @@
             <a:fld id="{B61BEF0D-F0BB-DE4B-95CE-6DB70DBA9567}" type="datetimeFigureOut">
               <a:rPr lang="en-US" dirty="0"/>
               <a:pPr/>
-              <a:t>11/22/2016</a:t>
+              <a:t>11/24/2016</a:t>
             </a:fld>
             <a:endParaRPr lang="en-US" dirty="0"/>
           </a:p>
@@ -1659,7 +1661,7 @@
             <a:fld id="{B61BEF0D-F0BB-DE4B-95CE-6DB70DBA9567}" type="datetimeFigureOut">
               <a:rPr lang="en-US" dirty="0"/>
               <a:pPr/>
-              <a:t>11/22/2016</a:t>
+              <a:t>11/24/2016</a:t>
             </a:fld>
             <a:endParaRPr lang="en-US" dirty="0"/>
           </a:p>
@@ -1958,7 +1960,7 @@
             <a:fld id="{B61BEF0D-F0BB-DE4B-95CE-6DB70DBA9567}" type="datetimeFigureOut">
               <a:rPr lang="en-US" dirty="0"/>
               <a:pPr/>
-              <a:t>11/22/2016</a:t>
+              <a:t>11/24/2016</a:t>
             </a:fld>
             <a:endParaRPr lang="en-US" dirty="0"/>
           </a:p>
@@ -2322,7 +2324,7 @@
             <a:fld id="{B61BEF0D-F0BB-DE4B-95CE-6DB70DBA9567}" type="datetimeFigureOut">
               <a:rPr lang="en-US" dirty="0"/>
               <a:pPr/>
-              <a:t>11/22/2016</a:t>
+              <a:t>11/24/2016</a:t>
             </a:fld>
             <a:endParaRPr lang="en-US" dirty="0"/>
           </a:p>
@@ -2493,7 +2495,7 @@
             <a:fld id="{B61BEF0D-F0BB-DE4B-95CE-6DB70DBA9567}" type="datetimeFigureOut">
               <a:rPr lang="en-US" dirty="0"/>
               <a:pPr/>
-              <a:t>11/22/2016</a:t>
+              <a:t>11/24/2016</a:t>
             </a:fld>
             <a:endParaRPr lang="en-US" dirty="0"/>
           </a:p>
@@ -2670,7 +2672,7 @@
             <a:fld id="{B61BEF0D-F0BB-DE4B-95CE-6DB70DBA9567}" type="datetimeFigureOut">
               <a:rPr lang="en-US" dirty="0"/>
               <a:pPr/>
-              <a:t>11/22/2016</a:t>
+              <a:t>11/24/2016</a:t>
             </a:fld>
             <a:endParaRPr lang="en-US" dirty="0"/>
           </a:p>
@@ -2837,7 +2839,7 @@
             <a:fld id="{B61BEF0D-F0BB-DE4B-95CE-6DB70DBA9567}" type="datetimeFigureOut">
               <a:rPr lang="en-US" dirty="0"/>
               <a:pPr/>
-              <a:t>11/22/2016</a:t>
+              <a:t>11/24/2016</a:t>
             </a:fld>
             <a:endParaRPr lang="en-US" dirty="0"/>
           </a:p>
@@ -3084,7 +3086,7 @@
             <a:fld id="{B61BEF0D-F0BB-DE4B-95CE-6DB70DBA9567}" type="datetimeFigureOut">
               <a:rPr lang="en-US" dirty="0"/>
               <a:pPr/>
-              <a:t>11/22/2016</a:t>
+              <a:t>11/24/2016</a:t>
             </a:fld>
             <a:endParaRPr lang="en-US" dirty="0"/>
           </a:p>
@@ -3317,7 +3319,7 @@
             <a:fld id="{B61BEF0D-F0BB-DE4B-95CE-6DB70DBA9567}" type="datetimeFigureOut">
               <a:rPr lang="en-US" dirty="0"/>
               <a:pPr/>
-              <a:t>11/22/2016</a:t>
+              <a:t>11/24/2016</a:t>
             </a:fld>
             <a:endParaRPr lang="en-US" dirty="0"/>
           </a:p>
@@ -3696,7 +3698,7 @@
             <a:fld id="{B61BEF0D-F0BB-DE4B-95CE-6DB70DBA9567}" type="datetimeFigureOut">
               <a:rPr lang="en-US" dirty="0"/>
               <a:pPr/>
-              <a:t>11/22/2016</a:t>
+              <a:t>11/24/2016</a:t>
             </a:fld>
             <a:endParaRPr lang="en-US" dirty="0"/>
           </a:p>
@@ -3811,7 +3813,7 @@
             <a:fld id="{B61BEF0D-F0BB-DE4B-95CE-6DB70DBA9567}" type="datetimeFigureOut">
               <a:rPr lang="en-US" dirty="0"/>
               <a:pPr/>
-              <a:t>11/22/2016</a:t>
+              <a:t>11/24/2016</a:t>
             </a:fld>
             <a:endParaRPr lang="en-US" dirty="0"/>
           </a:p>
@@ -3903,7 +3905,7 @@
             <a:fld id="{B61BEF0D-F0BB-DE4B-95CE-6DB70DBA9567}" type="datetimeFigureOut">
               <a:rPr lang="en-US" dirty="0"/>
               <a:pPr/>
-              <a:t>11/22/2016</a:t>
+              <a:t>11/24/2016</a:t>
             </a:fld>
             <a:endParaRPr lang="en-US" dirty="0"/>
           </a:p>
@@ -4155,7 +4157,7 @@
             <a:fld id="{B61BEF0D-F0BB-DE4B-95CE-6DB70DBA9567}" type="datetimeFigureOut">
               <a:rPr lang="en-US" dirty="0"/>
               <a:pPr/>
-              <a:t>11/22/2016</a:t>
+              <a:t>11/24/2016</a:t>
             </a:fld>
             <a:endParaRPr lang="en-US" dirty="0"/>
           </a:p>
@@ -4435,7 +4437,7 @@
             <a:fld id="{B61BEF0D-F0BB-DE4B-95CE-6DB70DBA9567}" type="datetimeFigureOut">
               <a:rPr lang="en-US" dirty="0"/>
               <a:pPr/>
-              <a:t>11/22/2016</a:t>
+              <a:t>11/24/2016</a:t>
             </a:fld>
             <a:endParaRPr lang="en-US" dirty="0"/>
           </a:p>
@@ -4838,7 +4840,7 @@
             <a:fld id="{B61BEF0D-F0BB-DE4B-95CE-6DB70DBA9567}" type="datetimeFigureOut">
               <a:rPr lang="en-US" dirty="0"/>
               <a:pPr/>
-              <a:t>11/22/2016</a:t>
+              <a:t>11/24/2016</a:t>
             </a:fld>
             <a:endParaRPr lang="en-US" dirty="0"/>
           </a:p>
@@ -5847,12 +5849,22 @@
               <a:t>має тип повернення, </a:t>
             </a:r>
             <a:r>
+              <a:rPr lang="en-US" b="1" dirty="0" smtClean="0">
+                <a:solidFill>
+                  <a:schemeClr val="accent2">
+                    <a:lumMod val="75000"/>
+                  </a:schemeClr>
+                </a:solidFill>
+              </a:rPr>
+              <a:t>Action</a:t>
+            </a:r>
+            <a:r>
               <a:rPr lang="en-US" dirty="0" smtClean="0">
                 <a:solidFill>
                   <a:schemeClr val="tx1"/>
                 </a:solidFill>
               </a:rPr>
-              <a:t>Action </a:t>
+              <a:t> </a:t>
             </a:r>
             <a:r>
               <a:rPr lang="ru-RU" dirty="0" smtClean="0">
@@ -8909,7 +8921,7 @@
         </p:blipFill>
         <p:spPr>
           <a:xfrm>
-            <a:off x="7713601" y="2523128"/>
+            <a:off x="7946357" y="2780822"/>
             <a:ext cx="3410426" cy="2219635"/>
           </a:xfrm>
           <a:prstGeom prst="roundRect">
@@ -9273,6 +9285,45 @@
             </a:endParaRPr>
           </a:p>
           <a:p>
+            <a:pPr algn="ctr"/>
+            <a:r>
+              <a:rPr lang="uk-UA" sz="2400" dirty="0" smtClean="0">
+                <a:solidFill>
+                  <a:schemeClr val="tx1"/>
+                </a:solidFill>
+              </a:rPr>
+              <a:t>Корисні джерела</a:t>
+            </a:r>
+          </a:p>
+          <a:p>
+            <a:pPr marL="342900" indent="-342900">
+              <a:buFont typeface="Arial" panose="020B0604020202020204" pitchFamily="34" charset="0"/>
+              <a:buChar char="•"/>
+            </a:pPr>
+            <a:r>
+              <a:rPr lang="ru-RU" sz="2000" dirty="0">
+                <a:solidFill>
+                  <a:schemeClr val="tx1"/>
+                </a:solidFill>
+              </a:rPr>
+              <a:t>Герберт Шилдт - C# 4.0: Полное </a:t>
+            </a:r>
+            <a:r>
+              <a:rPr lang="ru-RU" sz="2000" dirty="0" smtClean="0">
+                <a:solidFill>
+                  <a:schemeClr val="tx1"/>
+                </a:solidFill>
+              </a:rPr>
+              <a:t>руководство</a:t>
+            </a:r>
+            <a:r>
+              <a:rPr lang="en-US" dirty="0" smtClean="0">
+                <a:solidFill>
+                  <a:schemeClr val="tx1"/>
+                </a:solidFill>
+              </a:rPr>
+              <a:t>;</a:t>
+            </a:r>
             <a:endParaRPr lang="ru-RU" dirty="0" smtClean="0">
               <a:solidFill>
                 <a:schemeClr val="tx1"/>
@@ -9280,20 +9331,128 @@
             </a:endParaRPr>
           </a:p>
           <a:p>
-            <a:endParaRPr lang="ru-RU" dirty="0">
+            <a:pPr marL="342900" indent="-342900">
+              <a:buFont typeface="Arial" panose="020B0604020202020204" pitchFamily="34" charset="0"/>
+              <a:buChar char="•"/>
+            </a:pPr>
+            <a:r>
+              <a:rPr lang="ru-RU" dirty="0" smtClean="0">
+                <a:solidFill>
+                  <a:schemeClr val="tx1"/>
+                </a:solidFill>
+              </a:rPr>
+              <a:t>Джеффри Рихтер – </a:t>
+            </a:r>
+            <a:r>
+              <a:rPr lang="en-US" dirty="0" smtClean="0">
+                <a:solidFill>
+                  <a:schemeClr val="tx1"/>
+                </a:solidFill>
+              </a:rPr>
+              <a:t>CLR via C#</a:t>
+            </a:r>
+            <a:r>
+              <a:rPr lang="en-US" dirty="0" smtClean="0">
+                <a:solidFill>
+                  <a:schemeClr val="tx1"/>
+                </a:solidFill>
+              </a:rPr>
+              <a:t>;</a:t>
+            </a:r>
+          </a:p>
+          <a:p>
+            <a:pPr marL="342900" indent="-342900">
+              <a:buFont typeface="Arial" panose="020B0604020202020204" pitchFamily="34" charset="0"/>
+              <a:buChar char="•"/>
+            </a:pPr>
+            <a:r>
+              <a:rPr lang="en-US" dirty="0" err="1" smtClean="0">
+                <a:solidFill>
+                  <a:schemeClr val="tx1"/>
+                </a:solidFill>
+              </a:rPr>
+              <a:t>ProfessorWeb</a:t>
+            </a:r>
+            <a:r>
+              <a:rPr lang="en-US" dirty="0">
+                <a:solidFill>
+                  <a:schemeClr val="tx1"/>
+                </a:solidFill>
+              </a:rPr>
+              <a:t> - http://professorweb.ru/</a:t>
+            </a:r>
+            <a:r>
+              <a:rPr lang="ru-RU" dirty="0" smtClean="0">
+                <a:solidFill>
+                  <a:schemeClr val="tx1"/>
+                </a:solidFill>
+              </a:rPr>
+              <a:t>     </a:t>
+            </a:r>
+            <a:endParaRPr lang="en-US" dirty="0" smtClean="0">
               <a:solidFill>
                 <a:schemeClr val="tx1"/>
               </a:solidFill>
             </a:endParaRPr>
           </a:p>
           <a:p>
+            <a:pPr marL="342900" indent="-342900">
+              <a:buFont typeface="Arial" panose="020B0604020202020204" pitchFamily="34" charset="0"/>
+              <a:buChar char="•"/>
+            </a:pPr>
+            <a:r>
+              <a:rPr lang="en-US" dirty="0" err="1" smtClean="0">
+                <a:solidFill>
+                  <a:schemeClr val="tx1"/>
+                </a:solidFill>
+              </a:rPr>
+              <a:t>Metanit</a:t>
+            </a:r>
+            <a:r>
+              <a:rPr lang="en-US" dirty="0">
+                <a:solidFill>
+                  <a:schemeClr val="tx1"/>
+                </a:solidFill>
+              </a:rPr>
+              <a:t> – http://metanit.com/</a:t>
+            </a:r>
+          </a:p>
+          <a:p>
+            <a:pPr marL="342900" indent="-342900">
+              <a:buFont typeface="Arial" panose="020B0604020202020204" pitchFamily="34" charset="0"/>
+              <a:buChar char="•"/>
+            </a:pPr>
+            <a:r>
+              <a:rPr lang="en-US" dirty="0" err="1" smtClean="0">
+                <a:solidFill>
+                  <a:schemeClr val="tx1"/>
+                </a:solidFill>
+              </a:rPr>
+              <a:t>Stackoverflow</a:t>
+            </a:r>
+            <a:r>
+              <a:rPr lang="en-US" dirty="0" smtClean="0">
+                <a:solidFill>
+                  <a:schemeClr val="tx1"/>
+                </a:solidFill>
+              </a:rPr>
+              <a:t> - http</a:t>
+            </a:r>
+            <a:r>
+              <a:rPr lang="en-US" dirty="0">
+                <a:solidFill>
+                  <a:schemeClr val="tx1"/>
+                </a:solidFill>
+              </a:rPr>
+              <a:t>://stackoverflow.com/</a:t>
+            </a:r>
             <a:r>
               <a:rPr lang="ru-RU" dirty="0" smtClean="0">
                 <a:solidFill>
                   <a:schemeClr val="tx1"/>
                 </a:solidFill>
               </a:rPr>
-              <a:t>                                                     </a:t>
+              <a:t>                                               </a:t>
             </a:r>
             <a:r>
               <a:rPr lang="en-US" dirty="0" smtClean="0">
@@ -9302,14 +9461,6 @@
                 </a:solidFill>
               </a:rPr>
               <a:t>   </a:t>
-            </a:r>
-            <a:r>
-              <a:rPr lang="en-US" sz="8800" dirty="0" smtClean="0">
-                <a:solidFill>
-                  <a:srgbClr val="3CFE00"/>
-                </a:solidFill>
-              </a:rPr>
-              <a:t>Q&amp;A</a:t>
             </a:r>
             <a:endParaRPr lang="en-US" sz="8800" dirty="0">
               <a:solidFill>
@@ -9580,7 +9731,7 @@
                             </p:stCondLst>
                             <p:childTnLst>
                               <p:par>
-                                <p:cTn id="19" presetID="53" presetClass="entr" presetSubtype="16" fill="hold" nodeType="clickEffect">
+                                <p:cTn id="19" presetID="42" presetClass="entr" presetSubtype="0" fill="hold" nodeType="clickEffect">
                                   <p:stCondLst>
                                     <p:cond delay="0"/>
                                   </p:stCondLst>
@@ -9595,7 +9746,122 @@
                                         <p:tgtEl>
                                           <p:spTgt spid="3">
                                             <p:txEl>
-                                              <p:pRg st="5" end="5"/>
+                                              <p:pRg st="3" end="3"/>
+                                            </p:txEl>
+                                          </p:spTgt>
+                                        </p:tgtEl>
+                                        <p:attrNameLst>
+                                          <p:attrName>style.visibility</p:attrName>
+                                        </p:attrNameLst>
+                                      </p:cBhvr>
+                                      <p:to>
+                                        <p:strVal val="visible"/>
+                                      </p:to>
+                                    </p:set>
+                                    <p:animEffect transition="in" filter="fade">
+                                      <p:cBhvr>
+                                        <p:cTn id="21" dur="1000"/>
+                                        <p:tgtEl>
+                                          <p:spTgt spid="3">
+                                            <p:txEl>
+                                              <p:pRg st="3" end="3"/>
+                                            </p:txEl>
+                                          </p:spTgt>
+                                        </p:tgtEl>
+                                      </p:cBhvr>
+                                    </p:animEffect>
+                                    <p:anim calcmode="lin" valueType="num">
+                                      <p:cBhvr>
+                                        <p:cTn id="22" dur="1000" fill="hold"/>
+                                        <p:tgtEl>
+                                          <p:spTgt spid="3">
+                                            <p:txEl>
+                                              <p:pRg st="3" end="3"/>
+                                            </p:txEl>
+                                          </p:spTgt>
+                                        </p:tgtEl>
+                                        <p:attrNameLst>
+                                          <p:attrName>ppt_x</p:attrName>
+                                        </p:attrNameLst>
+                                      </p:cBhvr>
+                                      <p:tavLst>
+                                        <p:tav tm="0">
+                                          <p:val>
+                                            <p:strVal val="#ppt_x"/>
+                                          </p:val>
+                                        </p:tav>
+                                        <p:tav tm="100000">
+                                          <p:val>
+                                            <p:strVal val="#ppt_x"/>
+                                          </p:val>
+                                        </p:tav>
+                                      </p:tavLst>
+                                    </p:anim>
+                                    <p:anim calcmode="lin" valueType="num">
+                                      <p:cBhvr>
+                                        <p:cTn id="23" dur="1000" fill="hold"/>
+                                        <p:tgtEl>
+                                          <p:spTgt spid="3">
+                                            <p:txEl>
+                                              <p:pRg st="3" end="3"/>
+                                            </p:txEl>
+                                          </p:spTgt>
+                                        </p:tgtEl>
+                                        <p:attrNameLst>
+                                          <p:attrName>ppt_y</p:attrName>
+                                        </p:attrNameLst>
+                                      </p:cBhvr>
+                                      <p:tavLst>
+                                        <p:tav tm="0">
+                                          <p:val>
+                                            <p:strVal val="#ppt_y+.1"/>
+                                          </p:val>
+                                        </p:tav>
+                                        <p:tav tm="100000">
+                                          <p:val>
+                                            <p:strVal val="#ppt_y"/>
+                                          </p:val>
+                                        </p:tav>
+                                      </p:tavLst>
+                                    </p:anim>
+                                  </p:childTnLst>
+                                </p:cTn>
+                              </p:par>
+                            </p:childTnLst>
+                          </p:cTn>
+                        </p:par>
+                      </p:childTnLst>
+                    </p:cTn>
+                  </p:par>
+                  <p:par>
+                    <p:cTn id="24" fill="hold">
+                      <p:stCondLst>
+                        <p:cond delay="indefinite"/>
+                      </p:stCondLst>
+                      <p:childTnLst>
+                        <p:par>
+                          <p:cTn id="25" fill="hold">
+                            <p:stCondLst>
+                              <p:cond delay="0"/>
+                            </p:stCondLst>
+                            <p:childTnLst>
+                              <p:par>
+                                <p:cTn id="26" presetID="53" presetClass="entr" presetSubtype="16" fill="hold" nodeType="clickEffect">
+                                  <p:stCondLst>
+                                    <p:cond delay="0"/>
+                                  </p:stCondLst>
+                                  <p:childTnLst>
+                                    <p:set>
+                                      <p:cBhvr>
+                                        <p:cTn id="27" dur="1" fill="hold">
+                                          <p:stCondLst>
+                                            <p:cond delay="0"/>
+                                          </p:stCondLst>
+                                        </p:cTn>
+                                        <p:tgtEl>
+                                          <p:spTgt spid="3">
+                                            <p:txEl>
+                                              <p:pRg st="4" end="4"/>
                                             </p:txEl>
                                           </p:spTgt>
                                         </p:tgtEl>
@@ -9609,7 +9875,104 @@
                                     </p:set>
                                     <p:anim calcmode="lin" valueType="num">
                                       <p:cBhvr>
-                                        <p:cTn id="21" dur="500" fill="hold"/>
+                                        <p:cTn id="28" dur="500" fill="hold"/>
+                                        <p:tgtEl>
+                                          <p:spTgt spid="3">
+                                            <p:txEl>
+                                              <p:pRg st="4" end="4"/>
+                                            </p:txEl>
+                                          </p:spTgt>
+                                        </p:tgtEl>
+                                        <p:attrNameLst>
+                                          <p:attrName>ppt_w</p:attrName>
+                                        </p:attrNameLst>
+                                      </p:cBhvr>
+                                      <p:tavLst>
+                                        <p:tav tm="0">
+                                          <p:val>
+                                            <p:fltVal val="0"/>
+                                          </p:val>
+                                        </p:tav>
+                                        <p:tav tm="100000">
+                                          <p:val>
+                                            <p:strVal val="#ppt_w"/>
+                                          </p:val>
+                                        </p:tav>
+                                      </p:tavLst>
+                                    </p:anim>
+                                    <p:anim calcmode="lin" valueType="num">
+                                      <p:cBhvr>
+                                        <p:cTn id="29" dur="500" fill="hold"/>
+                                        <p:tgtEl>
+                                          <p:spTgt spid="3">
+                                            <p:txEl>
+                                              <p:pRg st="4" end="4"/>
+                                            </p:txEl>
+                                          </p:spTgt>
+                                        </p:tgtEl>
+                                        <p:attrNameLst>
+                                          <p:attrName>ppt_h</p:attrName>
+                                        </p:attrNameLst>
+                                      </p:cBhvr>
+                                      <p:tavLst>
+                                        <p:tav tm="0">
+                                          <p:val>
+                                            <p:fltVal val="0"/>
+                                          </p:val>
+                                        </p:tav>
+                                        <p:tav tm="100000">
+                                          <p:val>
+                                            <p:strVal val="#ppt_h"/>
+                                          </p:val>
+                                        </p:tav>
+                                      </p:tavLst>
+                                    </p:anim>
+                                    <p:animEffect transition="in" filter="fade">
+                                      <p:cBhvr>
+                                        <p:cTn id="30" dur="500"/>
+                                        <p:tgtEl>
+                                          <p:spTgt spid="3">
+                                            <p:txEl>
+                                              <p:pRg st="4" end="4"/>
+                                            </p:txEl>
+                                          </p:spTgt>
+                                        </p:tgtEl>
+                                      </p:cBhvr>
+                                    </p:animEffect>
+                                  </p:childTnLst>
+                                </p:cTn>
+                              </p:par>
+                            </p:childTnLst>
+                          </p:cTn>
+                        </p:par>
+                      </p:childTnLst>
+                    </p:cTn>
+                  </p:par>
+                  <p:par>
+                    <p:cTn id="31" fill="hold">
+                      <p:stCondLst>
+                        <p:cond delay="indefinite"/>
+                      </p:stCondLst>
+                      <p:childTnLst>
+                        <p:par>
+                          <p:cTn id="32" fill="hold">
+                            <p:stCondLst>
+                              <p:cond delay="0"/>
+                            </p:stCondLst>
+                            <p:childTnLst>
+                              <p:par>
+                                <p:cTn id="33" presetID="53" presetClass="entr" presetSubtype="16" fill="hold" nodeType="clickEffect">
+                                  <p:stCondLst>
+                                    <p:cond delay="0"/>
+                                  </p:stCondLst>
+                                  <p:childTnLst>
+                                    <p:set>
+                                      <p:cBhvr>
+                                        <p:cTn id="34" dur="1" fill="hold">
+                                          <p:stCondLst>
+                                            <p:cond delay="0"/>
+                                          </p:stCondLst>
+                                        </p:cTn>
                                         <p:tgtEl>
                                           <p:spTgt spid="3">
                                             <p:txEl>
@@ -9618,25 +9981,16 @@
                                           </p:spTgt>
                                         </p:tgtEl>
                                         <p:attrNameLst>
-                                          <p:attrName>ppt_w</p:attrName>
+                                          <p:attrName>style.visibility</p:attrName>
                                         </p:attrNameLst>
                                       </p:cBhvr>
-                                      <p:tavLst>
-                                        <p:tav tm="0">
-                                          <p:val>
-                                            <p:fltVal val="0"/>
-                                          </p:val>
-                                        </p:tav>
-                                        <p:tav tm="100000">
-                                          <p:val>
-                                            <p:strVal val="#ppt_w"/>
-                                          </p:val>
-                                        </p:tav>
-                                      </p:tavLst>
-                                    </p:anim>
+                                      <p:to>
+                                        <p:strVal val="visible"/>
+                                      </p:to>
+                                    </p:set>
                                     <p:anim calcmode="lin" valueType="num">
                                       <p:cBhvr>
-                                        <p:cTn id="22" dur="500" fill="hold"/>
+                                        <p:cTn id="35" dur="500" fill="hold"/>
                                         <p:tgtEl>
                                           <p:spTgt spid="3">
                                             <p:txEl>
@@ -9645,6 +9999,33 @@
                                           </p:spTgt>
                                         </p:tgtEl>
                                         <p:attrNameLst>
+                                          <p:attrName>ppt_w</p:attrName>
+                                        </p:attrNameLst>
+                                      </p:cBhvr>
+                                      <p:tavLst>
+                                        <p:tav tm="0">
+                                          <p:val>
+                                            <p:fltVal val="0"/>
+                                          </p:val>
+                                        </p:tav>
+                                        <p:tav tm="100000">
+                                          <p:val>
+                                            <p:strVal val="#ppt_w"/>
+                                          </p:val>
+                                        </p:tav>
+                                      </p:tavLst>
+                                    </p:anim>
+                                    <p:anim calcmode="lin" valueType="num">
+                                      <p:cBhvr>
+                                        <p:cTn id="36" dur="500" fill="hold"/>
+                                        <p:tgtEl>
+                                          <p:spTgt spid="3">
+                                            <p:txEl>
+                                              <p:pRg st="5" end="5"/>
+                                            </p:txEl>
+                                          </p:spTgt>
+                                        </p:tgtEl>
+                                        <p:attrNameLst>
                                           <p:attrName>ppt_h</p:attrName>
                                         </p:attrNameLst>
                                       </p:cBhvr>
@@ -9663,11 +10044,356 @@
                                     </p:anim>
                                     <p:animEffect transition="in" filter="fade">
                                       <p:cBhvr>
-                                        <p:cTn id="23" dur="500"/>
+                                        <p:cTn id="37" dur="500"/>
                                         <p:tgtEl>
                                           <p:spTgt spid="3">
                                             <p:txEl>
                                               <p:pRg st="5" end="5"/>
+                                            </p:txEl>
+                                          </p:spTgt>
+                                        </p:tgtEl>
+                                      </p:cBhvr>
+                                    </p:animEffect>
+                                  </p:childTnLst>
+                                </p:cTn>
+                              </p:par>
+                            </p:childTnLst>
+                          </p:cTn>
+                        </p:par>
+                      </p:childTnLst>
+                    </p:cTn>
+                  </p:par>
+                  <p:par>
+                    <p:cTn id="38" fill="hold">
+                      <p:stCondLst>
+                        <p:cond delay="indefinite"/>
+                      </p:stCondLst>
+                      <p:childTnLst>
+                        <p:par>
+                          <p:cTn id="39" fill="hold">
+                            <p:stCondLst>
+                              <p:cond delay="0"/>
+                            </p:stCondLst>
+                            <p:childTnLst>
+                              <p:par>
+                                <p:cTn id="40" presetID="53" presetClass="entr" presetSubtype="16" fill="hold" nodeType="clickEffect">
+                                  <p:stCondLst>
+                                    <p:cond delay="0"/>
+                                  </p:stCondLst>
+                                  <p:childTnLst>
+                                    <p:set>
+                                      <p:cBhvr>
+                                        <p:cTn id="41" dur="1" fill="hold">
+                                          <p:stCondLst>
+                                            <p:cond delay="0"/>
+                                          </p:stCondLst>
+                                        </p:cTn>
+                                        <p:tgtEl>
+                                          <p:spTgt spid="3">
+                                            <p:txEl>
+                                              <p:pRg st="6" end="6"/>
+                                            </p:txEl>
+                                          </p:spTgt>
+                                        </p:tgtEl>
+                                        <p:attrNameLst>
+                                          <p:attrName>style.visibility</p:attrName>
+                                        </p:attrNameLst>
+                                      </p:cBhvr>
+                                      <p:to>
+                                        <p:strVal val="visible"/>
+                                      </p:to>
+                                    </p:set>
+                                    <p:anim calcmode="lin" valueType="num">
+                                      <p:cBhvr>
+                                        <p:cTn id="42" dur="500" fill="hold"/>
+                                        <p:tgtEl>
+                                          <p:spTgt spid="3">
+                                            <p:txEl>
+                                              <p:pRg st="6" end="6"/>
+                                            </p:txEl>
+                                          </p:spTgt>
+                                        </p:tgtEl>
+                                        <p:attrNameLst>
+                                          <p:attrName>ppt_w</p:attrName>
+                                        </p:attrNameLst>
+                                      </p:cBhvr>
+                                      <p:tavLst>
+                                        <p:tav tm="0">
+                                          <p:val>
+                                            <p:fltVal val="0"/>
+                                          </p:val>
+                                        </p:tav>
+                                        <p:tav tm="100000">
+                                          <p:val>
+                                            <p:strVal val="#ppt_w"/>
+                                          </p:val>
+                                        </p:tav>
+                                      </p:tavLst>
+                                    </p:anim>
+                                    <p:anim calcmode="lin" valueType="num">
+                                      <p:cBhvr>
+                                        <p:cTn id="43" dur="500" fill="hold"/>
+                                        <p:tgtEl>
+                                          <p:spTgt spid="3">
+                                            <p:txEl>
+                                              <p:pRg st="6" end="6"/>
+                                            </p:txEl>
+                                          </p:spTgt>
+                                        </p:tgtEl>
+                                        <p:attrNameLst>
+                                          <p:attrName>ppt_h</p:attrName>
+                                        </p:attrNameLst>
+                                      </p:cBhvr>
+                                      <p:tavLst>
+                                        <p:tav tm="0">
+                                          <p:val>
+                                            <p:fltVal val="0"/>
+                                          </p:val>
+                                        </p:tav>
+                                        <p:tav tm="100000">
+                                          <p:val>
+                                            <p:strVal val="#ppt_h"/>
+                                          </p:val>
+                                        </p:tav>
+                                      </p:tavLst>
+                                    </p:anim>
+                                    <p:animEffect transition="in" filter="fade">
+                                      <p:cBhvr>
+                                        <p:cTn id="44" dur="500"/>
+                                        <p:tgtEl>
+                                          <p:spTgt spid="3">
+                                            <p:txEl>
+                                              <p:pRg st="6" end="6"/>
+                                            </p:txEl>
+                                          </p:spTgt>
+                                        </p:tgtEl>
+                                      </p:cBhvr>
+                                    </p:animEffect>
+                                  </p:childTnLst>
+                                </p:cTn>
+                              </p:par>
+                            </p:childTnLst>
+                          </p:cTn>
+                        </p:par>
+                      </p:childTnLst>
+                    </p:cTn>
+                  </p:par>
+                  <p:par>
+                    <p:cTn id="45" fill="hold">
+                      <p:stCondLst>
+                        <p:cond delay="indefinite"/>
+                      </p:stCondLst>
+                      <p:childTnLst>
+                        <p:par>
+                          <p:cTn id="46" fill="hold">
+                            <p:stCondLst>
+                              <p:cond delay="0"/>
+                            </p:stCondLst>
+                            <p:childTnLst>
+                              <p:par>
+                                <p:cTn id="47" presetID="53" presetClass="entr" presetSubtype="16" fill="hold" nodeType="clickEffect">
+                                  <p:stCondLst>
+                                    <p:cond delay="0"/>
+                                  </p:stCondLst>
+                                  <p:childTnLst>
+                                    <p:set>
+                                      <p:cBhvr>
+                                        <p:cTn id="48" dur="1" fill="hold">
+                                          <p:stCondLst>
+                                            <p:cond delay="0"/>
+                                          </p:stCondLst>
+                                        </p:cTn>
+                                        <p:tgtEl>
+                                          <p:spTgt spid="3">
+                                            <p:txEl>
+                                              <p:pRg st="7" end="7"/>
+                                            </p:txEl>
+                                          </p:spTgt>
+                                        </p:tgtEl>
+                                        <p:attrNameLst>
+                                          <p:attrName>style.visibility</p:attrName>
+                                        </p:attrNameLst>
+                                      </p:cBhvr>
+                                      <p:to>
+                                        <p:strVal val="visible"/>
+                                      </p:to>
+                                    </p:set>
+                                    <p:anim calcmode="lin" valueType="num">
+                                      <p:cBhvr>
+                                        <p:cTn id="49" dur="500" fill="hold"/>
+                                        <p:tgtEl>
+                                          <p:spTgt spid="3">
+                                            <p:txEl>
+                                              <p:pRg st="7" end="7"/>
+                                            </p:txEl>
+                                          </p:spTgt>
+                                        </p:tgtEl>
+                                        <p:attrNameLst>
+                                          <p:attrName>ppt_w</p:attrName>
+                                        </p:attrNameLst>
+                                      </p:cBhvr>
+                                      <p:tavLst>
+                                        <p:tav tm="0">
+                                          <p:val>
+                                            <p:fltVal val="0"/>
+                                          </p:val>
+                                        </p:tav>
+                                        <p:tav tm="100000">
+                                          <p:val>
+                                            <p:strVal val="#ppt_w"/>
+                                          </p:val>
+                                        </p:tav>
+                                      </p:tavLst>
+                                    </p:anim>
+                                    <p:anim calcmode="lin" valueType="num">
+                                      <p:cBhvr>
+                                        <p:cTn id="50" dur="500" fill="hold"/>
+                                        <p:tgtEl>
+                                          <p:spTgt spid="3">
+                                            <p:txEl>
+                                              <p:pRg st="7" end="7"/>
+                                            </p:txEl>
+                                          </p:spTgt>
+                                        </p:tgtEl>
+                                        <p:attrNameLst>
+                                          <p:attrName>ppt_h</p:attrName>
+                                        </p:attrNameLst>
+                                      </p:cBhvr>
+                                      <p:tavLst>
+                                        <p:tav tm="0">
+                                          <p:val>
+                                            <p:fltVal val="0"/>
+                                          </p:val>
+                                        </p:tav>
+                                        <p:tav tm="100000">
+                                          <p:val>
+                                            <p:strVal val="#ppt_h"/>
+                                          </p:val>
+                                        </p:tav>
+                                      </p:tavLst>
+                                    </p:anim>
+                                    <p:animEffect transition="in" filter="fade">
+                                      <p:cBhvr>
+                                        <p:cTn id="51" dur="500"/>
+                                        <p:tgtEl>
+                                          <p:spTgt spid="3">
+                                            <p:txEl>
+                                              <p:pRg st="7" end="7"/>
+                                            </p:txEl>
+                                          </p:spTgt>
+                                        </p:tgtEl>
+                                      </p:cBhvr>
+                                    </p:animEffect>
+                                  </p:childTnLst>
+                                </p:cTn>
+                              </p:par>
+                            </p:childTnLst>
+                          </p:cTn>
+                        </p:par>
+                      </p:childTnLst>
+                    </p:cTn>
+                  </p:par>
+                  <p:par>
+                    <p:cTn id="52" fill="hold">
+                      <p:stCondLst>
+                        <p:cond delay="indefinite"/>
+                      </p:stCondLst>
+                      <p:childTnLst>
+                        <p:par>
+                          <p:cTn id="53" fill="hold">
+                            <p:stCondLst>
+                              <p:cond delay="0"/>
+                            </p:stCondLst>
+                            <p:childTnLst>
+                              <p:par>
+                                <p:cTn id="54" presetID="53" presetClass="entr" presetSubtype="16" fill="hold" nodeType="clickEffect">
+                                  <p:stCondLst>
+                                    <p:cond delay="0"/>
+                                  </p:stCondLst>
+                                  <p:childTnLst>
+                                    <p:set>
+                                      <p:cBhvr>
+                                        <p:cTn id="55" dur="1" fill="hold">
+                                          <p:stCondLst>
+                                            <p:cond delay="0"/>
+                                          </p:stCondLst>
+                                        </p:cTn>
+                                        <p:tgtEl>
+                                          <p:spTgt spid="3">
+                                            <p:txEl>
+                                              <p:pRg st="8" end="8"/>
+                                            </p:txEl>
+                                          </p:spTgt>
+                                        </p:tgtEl>
+                                        <p:attrNameLst>
+                                          <p:attrName>style.visibility</p:attrName>
+                                        </p:attrNameLst>
+                                      </p:cBhvr>
+                                      <p:to>
+                                        <p:strVal val="visible"/>
+                                      </p:to>
+                                    </p:set>
+                                    <p:anim calcmode="lin" valueType="num">
+                                      <p:cBhvr>
+                                        <p:cTn id="56" dur="500" fill="hold"/>
+                                        <p:tgtEl>
+                                          <p:spTgt spid="3">
+                                            <p:txEl>
+                                              <p:pRg st="8" end="8"/>
+                                            </p:txEl>
+                                          </p:spTgt>
+                                        </p:tgtEl>
+                                        <p:attrNameLst>
+                                          <p:attrName>ppt_w</p:attrName>
+                                        </p:attrNameLst>
+                                      </p:cBhvr>
+                                      <p:tavLst>
+                                        <p:tav tm="0">
+                                          <p:val>
+                                            <p:fltVal val="0"/>
+                                          </p:val>
+                                        </p:tav>
+                                        <p:tav tm="100000">
+                                          <p:val>
+                                            <p:strVal val="#ppt_w"/>
+                                          </p:val>
+                                        </p:tav>
+                                      </p:tavLst>
+                                    </p:anim>
+                                    <p:anim calcmode="lin" valueType="num">
+                                      <p:cBhvr>
+                                        <p:cTn id="57" dur="500" fill="hold"/>
+                                        <p:tgtEl>
+                                          <p:spTgt spid="3">
+                                            <p:txEl>
+                                              <p:pRg st="8" end="8"/>
+                                            </p:txEl>
+                                          </p:spTgt>
+                                        </p:tgtEl>
+                                        <p:attrNameLst>
+                                          <p:attrName>ppt_h</p:attrName>
+                                        </p:attrNameLst>
+                                      </p:cBhvr>
+                                      <p:tavLst>
+                                        <p:tav tm="0">
+                                          <p:val>
+                                            <p:fltVal val="0"/>
+                                          </p:val>
+                                        </p:tav>
+                                        <p:tav tm="100000">
+                                          <p:val>
+                                            <p:strVal val="#ppt_h"/>
+                                          </p:val>
+                                        </p:tav>
+                                      </p:tavLst>
+                                    </p:anim>
+                                    <p:animEffect transition="in" filter="fade">
+                                      <p:cBhvr>
+                                        <p:cTn id="58" dur="500"/>
+                                        <p:tgtEl>
+                                          <p:spTgt spid="3">
+                                            <p:txEl>
+                                              <p:pRg st="8" end="8"/>
                                             </p:txEl>
                                           </p:spTgt>
                                         </p:tgtEl>
@@ -9701,6 +10427,101 @@
             </p:seq>
           </p:childTnLst>
         </p:cTn>
+      </p:par>
+    </p:tnLst>
+  </p:timing>
+</p:sld>
+</file>
+
+<file path=ppt/slides/slide17.xml><?xml version="1.0" encoding="utf-8"?>
+<p:sld xmlns:a="http://schemas.openxmlformats.org/drawingml/2006/main" xmlns:r="http://schemas.openxmlformats.org/officeDocument/2006/relationships" xmlns:p="http://schemas.openxmlformats.org/presentationml/2006/main" showMasterSp="0">
+  <p:cSld>
+    <p:spTree>
+      <p:nvGrpSpPr>
+        <p:cNvPr id="1" name=""/>
+        <p:cNvGrpSpPr/>
+        <p:nvPr/>
+      </p:nvGrpSpPr>
+      <p:grpSpPr>
+        <a:xfrm>
+          <a:off x="0" y="0"/>
+          <a:ext cx="0" cy="0"/>
+          <a:chOff x="0" y="0"/>
+          <a:chExt cx="0" cy="0"/>
+        </a:xfrm>
+      </p:grpSpPr>
+      <p:sp>
+        <p:nvSpPr>
+          <p:cNvPr id="2" name="Title 1"/>
+          <p:cNvSpPr>
+            <a:spLocks noGrp="1"/>
+          </p:cNvSpPr>
+          <p:nvPr>
+            <p:ph type="title"/>
+          </p:nvPr>
+        </p:nvSpPr>
+        <p:spPr>
+          <a:xfrm>
+            <a:off x="1365856" y="2019991"/>
+            <a:ext cx="8534401" cy="2427317"/>
+          </a:xfrm>
+        </p:spPr>
+        <p:txBody>
+          <a:bodyPr>
+            <a:normAutofit/>
+          </a:bodyPr>
+          <a:lstStyle/>
+          <a:p>
+            <a:pPr algn="ctr"/>
+            <a:r>
+              <a:rPr lang="uk-UA" sz="9600" dirty="0" smtClean="0">
+                <a:solidFill>
+                  <a:srgbClr val="3CFE00"/>
+                </a:solidFill>
+              </a:rPr>
+              <a:t>  </a:t>
+            </a:r>
+            <a:r>
+              <a:rPr lang="en-US" sz="9600" dirty="0" smtClean="0">
+                <a:solidFill>
+                  <a:srgbClr val="3CFE00"/>
+                </a:solidFill>
+              </a:rPr>
+              <a:t>Q&amp;A</a:t>
+            </a:r>
+            <a:r>
+              <a:rPr lang="en-US" dirty="0">
+                <a:solidFill>
+                  <a:srgbClr val="3CFE00"/>
+                </a:solidFill>
+              </a:rPr>
+              <a:t/>
+            </a:r>
+            <a:br>
+              <a:rPr lang="en-US" dirty="0">
+                <a:solidFill>
+                  <a:srgbClr val="3CFE00"/>
+                </a:solidFill>
+              </a:rPr>
+            </a:br>
+            <a:endParaRPr lang="en-US" dirty="0"/>
+          </a:p>
+        </p:txBody>
+      </p:sp>
+    </p:spTree>
+    <p:extLst>
+      <p:ext uri="{BB962C8B-B14F-4D97-AF65-F5344CB8AC3E}">
+        <p14:creationId xmlns:p14="http://schemas.microsoft.com/office/powerpoint/2010/main" val="552071827"/>
+      </p:ext>
+    </p:extLst>
+  </p:cSld>
+  <p:clrMapOvr>
+    <a:masterClrMapping/>
+  </p:clrMapOvr>
+  <p:timing>
+    <p:tnLst>
+      <p:par>
+        <p:cTn id="1" dur="indefinite" restart="never" nodeType="tmRoot"/>
       </p:par>
     </p:tnLst>
   </p:timing>
@@ -10381,109 +11202,6 @@
       </p:sp>
       <p:sp>
         <p:nvSpPr>
-          <p:cNvPr id="5" name="Subtitle 4"/>
-          <p:cNvSpPr>
-            <a:spLocks noGrp="1"/>
-          </p:cNvSpPr>
-          <p:nvPr>
-            <p:ph type="subTitle" idx="1"/>
-          </p:nvPr>
-        </p:nvSpPr>
-        <p:spPr>
-          <a:xfrm>
-            <a:off x="842154" y="3059085"/>
-            <a:ext cx="6400800" cy="465511"/>
-          </a:xfrm>
-        </p:spPr>
-        <p:txBody>
-          <a:bodyPr>
-            <a:normAutofit/>
-          </a:bodyPr>
-          <a:lstStyle/>
-          <a:p>
-            <a:pPr marL="342900" indent="-342900">
-              <a:buFont typeface="Wingdings" panose="05000000000000000000" pitchFamily="2" charset="2"/>
-              <a:buChar char="Ø"/>
-            </a:pPr>
-            <a:r>
-              <a:rPr lang="ru-RU" dirty="0" smtClean="0">
-                <a:solidFill>
-                  <a:schemeClr val="tx2">
-                    <a:lumMod val="20000"/>
-                    <a:lumOff val="80000"/>
-                  </a:schemeClr>
-                </a:solidFill>
-              </a:rPr>
-              <a:t>Роль </a:t>
-            </a:r>
-            <a:r>
-              <a:rPr lang="ru-RU" dirty="0" smtClean="0">
-                <a:solidFill>
-                  <a:schemeClr val="tx2">
-                    <a:lumMod val="20000"/>
-                    <a:lumOff val="80000"/>
-                  </a:schemeClr>
-                </a:solidFill>
-              </a:rPr>
-              <a:t>делегат</a:t>
-            </a:r>
-            <a:r>
-              <a:rPr lang="uk-UA" dirty="0">
-                <a:solidFill>
-                  <a:schemeClr val="tx2">
-                    <a:lumMod val="20000"/>
-                    <a:lumOff val="80000"/>
-                  </a:schemeClr>
-                </a:solidFill>
-              </a:rPr>
-              <a:t>і</a:t>
-            </a:r>
-            <a:r>
-              <a:rPr lang="ru-RU" dirty="0" smtClean="0">
-                <a:solidFill>
-                  <a:schemeClr val="tx2">
-                    <a:lumMod val="20000"/>
-                    <a:lumOff val="80000"/>
-                  </a:schemeClr>
-                </a:solidFill>
-              </a:rPr>
-              <a:t>в </a:t>
-            </a:r>
-            <a:r>
-              <a:rPr lang="ru-RU" dirty="0" smtClean="0">
-                <a:solidFill>
-                  <a:schemeClr val="tx2">
-                    <a:lumMod val="20000"/>
-                    <a:lumOff val="80000"/>
-                  </a:schemeClr>
-                </a:solidFill>
-              </a:rPr>
-              <a:t>у </a:t>
-            </a:r>
-            <a:r>
-              <a:rPr lang="en-US" dirty="0" smtClean="0">
-                <a:solidFill>
-                  <a:schemeClr val="tx2">
-                    <a:lumMod val="20000"/>
-                    <a:lumOff val="80000"/>
-                  </a:schemeClr>
-                </a:solidFill>
-              </a:rPr>
-              <a:t>.NET</a:t>
-            </a:r>
-            <a:endParaRPr lang="uk-UA" dirty="0" smtClean="0">
-              <a:solidFill>
-                <a:schemeClr val="tx2">
-                  <a:lumMod val="20000"/>
-                  <a:lumOff val="80000"/>
-                </a:schemeClr>
-              </a:solidFill>
-            </a:endParaRPr>
-          </a:p>
-        </p:txBody>
-      </p:sp>
-      <p:sp>
-        <p:nvSpPr>
           <p:cNvPr id="6" name="Subtitle 4"/>
           <p:cNvSpPr txBox="1">
             <a:spLocks/>
@@ -10492,8 +11210,8 @@
         </p:nvSpPr>
         <p:spPr>
           <a:xfrm>
-            <a:off x="836612" y="2479965"/>
-            <a:ext cx="6400800" cy="465511"/>
+            <a:off x="836612" y="2078750"/>
+            <a:ext cx="6777168" cy="3930164"/>
           </a:xfrm>
           <a:prstGeom prst="rect">
             <a:avLst/>
@@ -10744,259 +11462,28 @@
                   </a:schemeClr>
                 </a:solidFill>
               </a:rPr>
-              <a:t>Загальні поняття про делегати</a:t>
-            </a:r>
-          </a:p>
-        </p:txBody>
-      </p:sp>
-      <p:sp>
-        <p:nvSpPr>
-          <p:cNvPr id="7" name="Subtitle 4"/>
-          <p:cNvSpPr txBox="1">
-            <a:spLocks/>
-          </p:cNvSpPr>
-          <p:nvPr/>
-        </p:nvSpPr>
-        <p:spPr>
-          <a:xfrm>
-            <a:off x="833841" y="3732416"/>
-            <a:ext cx="6400800" cy="465511"/>
-          </a:xfrm>
-          <a:prstGeom prst="rect">
-            <a:avLst/>
-          </a:prstGeom>
-        </p:spPr>
-        <p:txBody>
-          <a:bodyPr vert="horz" lIns="91440" tIns="45720" rIns="91440" bIns="45720" rtlCol="0" anchor="t">
-            <a:normAutofit/>
-          </a:bodyPr>
-          <a:lstStyle>
-            <a:lvl1pPr marL="0" indent="0" algn="l" defTabSz="457200" rtl="0" eaLnBrk="1" latinLnBrk="0" hangingPunct="1">
-              <a:spcBef>
-                <a:spcPct val="20000"/>
-              </a:spcBef>
-              <a:spcAft>
-                <a:spcPts val="600"/>
-              </a:spcAft>
-              <a:buClr>
-                <a:schemeClr val="tx1"/>
-              </a:buClr>
-              <a:buSzPct val="80000"/>
-              <a:buFont typeface="Wingdings 3" panose="05040102010807070707" pitchFamily="18" charset="2"/>
-              <a:buNone/>
-              <a:defRPr sz="2100" kern="1200" cap="none">
-                <a:solidFill>
-                  <a:schemeClr val="bg2">
-                    <a:lumMod val="75000"/>
+              <a:t>Загальні поняття про </a:t>
+            </a:r>
+            <a:r>
+              <a:rPr lang="uk-UA" dirty="0" smtClean="0">
+                <a:solidFill>
+                  <a:schemeClr val="tx2">
+                    <a:lumMod val="20000"/>
+                    <a:lumOff val="80000"/>
                   </a:schemeClr>
                 </a:solidFill>
-                <a:effectLst/>
-                <a:latin typeface="+mn-lt"/>
-                <a:ea typeface="+mn-ea"/>
-                <a:cs typeface="+mn-cs"/>
-              </a:defRPr>
-            </a:lvl1pPr>
-            <a:lvl2pPr marL="457200" indent="0" algn="ctr" defTabSz="457200" rtl="0" eaLnBrk="1" latinLnBrk="0" hangingPunct="1">
-              <a:spcBef>
-                <a:spcPct val="20000"/>
-              </a:spcBef>
-              <a:spcAft>
-                <a:spcPts val="600"/>
-              </a:spcAft>
-              <a:buClr>
-                <a:schemeClr val="tx1"/>
-              </a:buClr>
-              <a:buSzPct val="80000"/>
-              <a:buFont typeface="Wingdings 3" panose="05040102010807070707" pitchFamily="18" charset="2"/>
-              <a:buNone/>
-              <a:defRPr sz="1800" kern="1200" cap="none">
-                <a:solidFill>
-                  <a:schemeClr val="tx1">
-                    <a:tint val="75000"/>
-                  </a:schemeClr>
-                </a:solidFill>
-                <a:effectLst/>
-                <a:latin typeface="+mn-lt"/>
-                <a:ea typeface="+mn-ea"/>
-                <a:cs typeface="+mn-cs"/>
-              </a:defRPr>
-            </a:lvl2pPr>
-            <a:lvl3pPr marL="914400" indent="0" algn="ctr" defTabSz="457200" rtl="0" eaLnBrk="1" latinLnBrk="0" hangingPunct="1">
-              <a:spcBef>
-                <a:spcPct val="20000"/>
-              </a:spcBef>
-              <a:spcAft>
-                <a:spcPts val="600"/>
-              </a:spcAft>
-              <a:buClr>
-                <a:schemeClr val="tx1"/>
-              </a:buClr>
-              <a:buSzPct val="80000"/>
-              <a:buFont typeface="Wingdings 3" panose="05040102010807070707" pitchFamily="18" charset="2"/>
-              <a:buNone/>
-              <a:defRPr sz="1600" kern="1200" cap="none">
-                <a:solidFill>
-                  <a:schemeClr val="tx1">
-                    <a:tint val="75000"/>
-                  </a:schemeClr>
-                </a:solidFill>
-                <a:effectLst/>
-                <a:latin typeface="+mn-lt"/>
-                <a:ea typeface="+mn-ea"/>
-                <a:cs typeface="+mn-cs"/>
-              </a:defRPr>
-            </a:lvl3pPr>
-            <a:lvl4pPr marL="1371600" indent="0" algn="ctr" defTabSz="457200" rtl="0" eaLnBrk="1" latinLnBrk="0" hangingPunct="1">
-              <a:spcBef>
-                <a:spcPct val="20000"/>
-              </a:spcBef>
-              <a:spcAft>
-                <a:spcPts val="600"/>
-              </a:spcAft>
-              <a:buClr>
-                <a:schemeClr val="tx1"/>
-              </a:buClr>
-              <a:buSzPct val="80000"/>
-              <a:buFont typeface="Wingdings 3" panose="05040102010807070707" pitchFamily="18" charset="2"/>
-              <a:buNone/>
-              <a:defRPr sz="1400" kern="1200" cap="none">
-                <a:solidFill>
-                  <a:schemeClr val="tx1">
-                    <a:tint val="75000"/>
-                  </a:schemeClr>
-                </a:solidFill>
-                <a:effectLst/>
-                <a:latin typeface="+mn-lt"/>
-                <a:ea typeface="+mn-ea"/>
-                <a:cs typeface="+mn-cs"/>
-              </a:defRPr>
-            </a:lvl4pPr>
-            <a:lvl5pPr marL="1828800" indent="0" algn="ctr" defTabSz="457200" rtl="0" eaLnBrk="1" latinLnBrk="0" hangingPunct="1">
-              <a:spcBef>
-                <a:spcPct val="20000"/>
-              </a:spcBef>
-              <a:spcAft>
-                <a:spcPts val="600"/>
-              </a:spcAft>
-              <a:buClr>
-                <a:schemeClr val="tx1"/>
-              </a:buClr>
-              <a:buSzPct val="80000"/>
-              <a:buFont typeface="Wingdings 3" panose="05040102010807070707" pitchFamily="18" charset="2"/>
-              <a:buNone/>
-              <a:defRPr sz="1400" kern="1200" cap="none">
-                <a:solidFill>
-                  <a:schemeClr val="tx1">
-                    <a:tint val="75000"/>
-                  </a:schemeClr>
-                </a:solidFill>
-                <a:effectLst/>
-                <a:latin typeface="+mn-lt"/>
-                <a:ea typeface="+mn-ea"/>
-                <a:cs typeface="+mn-cs"/>
-              </a:defRPr>
-            </a:lvl5pPr>
-            <a:lvl6pPr marL="2286000" indent="0" algn="ctr" defTabSz="457200" rtl="0" eaLnBrk="1" latinLnBrk="0" hangingPunct="1">
-              <a:spcBef>
-                <a:spcPct val="20000"/>
-              </a:spcBef>
-              <a:spcAft>
-                <a:spcPts val="600"/>
-              </a:spcAft>
-              <a:buClr>
-                <a:schemeClr val="tx1"/>
-              </a:buClr>
-              <a:buSzPct val="80000"/>
-              <a:buFont typeface="Wingdings 3" panose="05040102010807070707" pitchFamily="18" charset="2"/>
-              <a:buNone/>
-              <a:defRPr sz="1400" kern="1200" cap="none">
-                <a:solidFill>
-                  <a:schemeClr val="tx1">
-                    <a:tint val="75000"/>
-                  </a:schemeClr>
-                </a:solidFill>
-                <a:effectLst/>
-                <a:latin typeface="+mn-lt"/>
-                <a:ea typeface="+mn-ea"/>
-                <a:cs typeface="+mn-cs"/>
-              </a:defRPr>
-            </a:lvl6pPr>
-            <a:lvl7pPr marL="2743200" indent="0" algn="ctr" defTabSz="457200" rtl="0" eaLnBrk="1" latinLnBrk="0" hangingPunct="1">
-              <a:spcBef>
-                <a:spcPct val="20000"/>
-              </a:spcBef>
-              <a:spcAft>
-                <a:spcPts val="600"/>
-              </a:spcAft>
-              <a:buClr>
-                <a:schemeClr val="tx1"/>
-              </a:buClr>
-              <a:buSzPct val="80000"/>
-              <a:buFont typeface="Wingdings 3" panose="05040102010807070707" pitchFamily="18" charset="2"/>
-              <a:buNone/>
-              <a:defRPr sz="1400" kern="1200" cap="none">
-                <a:solidFill>
-                  <a:schemeClr val="tx1">
-                    <a:tint val="75000"/>
-                  </a:schemeClr>
-                </a:solidFill>
-                <a:effectLst/>
-                <a:latin typeface="+mn-lt"/>
-                <a:ea typeface="+mn-ea"/>
-                <a:cs typeface="+mn-cs"/>
-              </a:defRPr>
-            </a:lvl7pPr>
-            <a:lvl8pPr marL="3200400" indent="0" algn="ctr" defTabSz="457200" rtl="0" eaLnBrk="1" latinLnBrk="0" hangingPunct="1">
-              <a:spcBef>
-                <a:spcPct val="20000"/>
-              </a:spcBef>
-              <a:spcAft>
-                <a:spcPts val="600"/>
-              </a:spcAft>
-              <a:buClr>
-                <a:schemeClr val="tx1"/>
-              </a:buClr>
-              <a:buSzPct val="80000"/>
-              <a:buFont typeface="Wingdings 3" panose="05040102010807070707" pitchFamily="18" charset="2"/>
-              <a:buNone/>
-              <a:defRPr sz="1400" kern="1200" cap="none">
-                <a:solidFill>
-                  <a:schemeClr val="tx1">
-                    <a:tint val="75000"/>
-                  </a:schemeClr>
-                </a:solidFill>
-                <a:effectLst/>
-                <a:latin typeface="+mn-lt"/>
-                <a:ea typeface="+mn-ea"/>
-                <a:cs typeface="+mn-cs"/>
-              </a:defRPr>
-            </a:lvl8pPr>
-            <a:lvl9pPr marL="3657600" indent="0" algn="ctr" defTabSz="457200" rtl="0" eaLnBrk="1" latinLnBrk="0" hangingPunct="1">
-              <a:spcBef>
-                <a:spcPct val="20000"/>
-              </a:spcBef>
-              <a:spcAft>
-                <a:spcPts val="600"/>
-              </a:spcAft>
-              <a:buClr>
-                <a:schemeClr val="tx1"/>
-              </a:buClr>
-              <a:buSzPct val="80000"/>
-              <a:buFont typeface="Wingdings 3" panose="05040102010807070707" pitchFamily="18" charset="2"/>
-              <a:buNone/>
-              <a:defRPr sz="1400" kern="1200" cap="none">
-                <a:solidFill>
-                  <a:schemeClr val="tx1">
-                    <a:tint val="75000"/>
-                  </a:schemeClr>
-                </a:solidFill>
-                <a:effectLst/>
-                <a:latin typeface="+mn-lt"/>
-                <a:ea typeface="+mn-ea"/>
-                <a:cs typeface="+mn-cs"/>
-              </a:defRPr>
-            </a:lvl9pPr>
-          </a:lstStyle>
+              </a:rPr>
+              <a:t>делегати</a:t>
+            </a:r>
+            <a:endParaRPr lang="en-US" dirty="0" smtClean="0">
+              <a:solidFill>
+                <a:schemeClr val="tx2">
+                  <a:lumMod val="20000"/>
+                  <a:lumOff val="80000"/>
+                </a:schemeClr>
+              </a:solidFill>
+            </a:endParaRPr>
+          </a:p>
           <a:p>
             <a:pPr marL="342900" indent="-342900">
               <a:buFont typeface="Wingdings" panose="05000000000000000000" pitchFamily="2" charset="2"/>
@@ -11011,266 +11498,35 @@
                   </a:schemeClr>
                 </a:solidFill>
               </a:rPr>
-              <a:t>Вбудовані делегати</a:t>
-            </a:r>
-          </a:p>
-        </p:txBody>
-      </p:sp>
-      <p:sp>
-        <p:nvSpPr>
-          <p:cNvPr id="8" name="Subtitle 4"/>
-          <p:cNvSpPr txBox="1">
-            <a:spLocks/>
-          </p:cNvSpPr>
-          <p:nvPr/>
-        </p:nvSpPr>
-        <p:spPr>
-          <a:xfrm>
-            <a:off x="850467" y="4422373"/>
-            <a:ext cx="6400800" cy="465511"/>
-          </a:xfrm>
-          <a:prstGeom prst="rect">
-            <a:avLst/>
-          </a:prstGeom>
-        </p:spPr>
-        <p:txBody>
-          <a:bodyPr vert="horz" lIns="91440" tIns="45720" rIns="91440" bIns="45720" rtlCol="0" anchor="t">
-            <a:normAutofit fontScale="92500"/>
-          </a:bodyPr>
-          <a:lstStyle>
-            <a:lvl1pPr marL="0" indent="0" algn="l" defTabSz="457200" rtl="0" eaLnBrk="1" latinLnBrk="0" hangingPunct="1">
-              <a:spcBef>
-                <a:spcPct val="20000"/>
-              </a:spcBef>
-              <a:spcAft>
-                <a:spcPts val="600"/>
-              </a:spcAft>
-              <a:buClr>
-                <a:schemeClr val="tx1"/>
-              </a:buClr>
-              <a:buSzPct val="80000"/>
-              <a:buFont typeface="Wingdings 3" panose="05040102010807070707" pitchFamily="18" charset="2"/>
-              <a:buNone/>
-              <a:defRPr sz="2100" kern="1200" cap="none">
-                <a:solidFill>
-                  <a:schemeClr val="bg2">
-                    <a:lumMod val="75000"/>
+              <a:t>Роль делегатів у </a:t>
+            </a:r>
+            <a:r>
+              <a:rPr lang="en-US" dirty="0" smtClean="0">
+                <a:solidFill>
+                  <a:schemeClr val="tx2">
+                    <a:lumMod val="20000"/>
+                    <a:lumOff val="80000"/>
                   </a:schemeClr>
                 </a:solidFill>
-                <a:effectLst/>
-                <a:latin typeface="+mn-lt"/>
-                <a:ea typeface="+mn-ea"/>
-                <a:cs typeface="+mn-cs"/>
-              </a:defRPr>
-            </a:lvl1pPr>
-            <a:lvl2pPr marL="457200" indent="0" algn="ctr" defTabSz="457200" rtl="0" eaLnBrk="1" latinLnBrk="0" hangingPunct="1">
-              <a:spcBef>
-                <a:spcPct val="20000"/>
-              </a:spcBef>
-              <a:spcAft>
-                <a:spcPts val="600"/>
-              </a:spcAft>
-              <a:buClr>
-                <a:schemeClr val="tx1"/>
-              </a:buClr>
-              <a:buSzPct val="80000"/>
-              <a:buFont typeface="Wingdings 3" panose="05040102010807070707" pitchFamily="18" charset="2"/>
-              <a:buNone/>
-              <a:defRPr sz="1800" kern="1200" cap="none">
-                <a:solidFill>
-                  <a:schemeClr val="tx1">
-                    <a:tint val="75000"/>
-                  </a:schemeClr>
-                </a:solidFill>
-                <a:effectLst/>
-                <a:latin typeface="+mn-lt"/>
-                <a:ea typeface="+mn-ea"/>
-                <a:cs typeface="+mn-cs"/>
-              </a:defRPr>
-            </a:lvl2pPr>
-            <a:lvl3pPr marL="914400" indent="0" algn="ctr" defTabSz="457200" rtl="0" eaLnBrk="1" latinLnBrk="0" hangingPunct="1">
-              <a:spcBef>
-                <a:spcPct val="20000"/>
-              </a:spcBef>
-              <a:spcAft>
-                <a:spcPts val="600"/>
-              </a:spcAft>
-              <a:buClr>
-                <a:schemeClr val="tx1"/>
-              </a:buClr>
-              <a:buSzPct val="80000"/>
-              <a:buFont typeface="Wingdings 3" panose="05040102010807070707" pitchFamily="18" charset="2"/>
-              <a:buNone/>
-              <a:defRPr sz="1600" kern="1200" cap="none">
-                <a:solidFill>
-                  <a:schemeClr val="tx1">
-                    <a:tint val="75000"/>
-                  </a:schemeClr>
-                </a:solidFill>
-                <a:effectLst/>
-                <a:latin typeface="+mn-lt"/>
-                <a:ea typeface="+mn-ea"/>
-                <a:cs typeface="+mn-cs"/>
-              </a:defRPr>
-            </a:lvl3pPr>
-            <a:lvl4pPr marL="1371600" indent="0" algn="ctr" defTabSz="457200" rtl="0" eaLnBrk="1" latinLnBrk="0" hangingPunct="1">
-              <a:spcBef>
-                <a:spcPct val="20000"/>
-              </a:spcBef>
-              <a:spcAft>
-                <a:spcPts val="600"/>
-              </a:spcAft>
-              <a:buClr>
-                <a:schemeClr val="tx1"/>
-              </a:buClr>
-              <a:buSzPct val="80000"/>
-              <a:buFont typeface="Wingdings 3" panose="05040102010807070707" pitchFamily="18" charset="2"/>
-              <a:buNone/>
-              <a:defRPr sz="1400" kern="1200" cap="none">
-                <a:solidFill>
-                  <a:schemeClr val="tx1">
-                    <a:tint val="75000"/>
-                  </a:schemeClr>
-                </a:solidFill>
-                <a:effectLst/>
-                <a:latin typeface="+mn-lt"/>
-                <a:ea typeface="+mn-ea"/>
-                <a:cs typeface="+mn-cs"/>
-              </a:defRPr>
-            </a:lvl4pPr>
-            <a:lvl5pPr marL="1828800" indent="0" algn="ctr" defTabSz="457200" rtl="0" eaLnBrk="1" latinLnBrk="0" hangingPunct="1">
-              <a:spcBef>
-                <a:spcPct val="20000"/>
-              </a:spcBef>
-              <a:spcAft>
-                <a:spcPts val="600"/>
-              </a:spcAft>
-              <a:buClr>
-                <a:schemeClr val="tx1"/>
-              </a:buClr>
-              <a:buSzPct val="80000"/>
-              <a:buFont typeface="Wingdings 3" panose="05040102010807070707" pitchFamily="18" charset="2"/>
-              <a:buNone/>
-              <a:defRPr sz="1400" kern="1200" cap="none">
-                <a:solidFill>
-                  <a:schemeClr val="tx1">
-                    <a:tint val="75000"/>
-                  </a:schemeClr>
-                </a:solidFill>
-                <a:effectLst/>
-                <a:latin typeface="+mn-lt"/>
-                <a:ea typeface="+mn-ea"/>
-                <a:cs typeface="+mn-cs"/>
-              </a:defRPr>
-            </a:lvl5pPr>
-            <a:lvl6pPr marL="2286000" indent="0" algn="ctr" defTabSz="457200" rtl="0" eaLnBrk="1" latinLnBrk="0" hangingPunct="1">
-              <a:spcBef>
-                <a:spcPct val="20000"/>
-              </a:spcBef>
-              <a:spcAft>
-                <a:spcPts val="600"/>
-              </a:spcAft>
-              <a:buClr>
-                <a:schemeClr val="tx1"/>
-              </a:buClr>
-              <a:buSzPct val="80000"/>
-              <a:buFont typeface="Wingdings 3" panose="05040102010807070707" pitchFamily="18" charset="2"/>
-              <a:buNone/>
-              <a:defRPr sz="1400" kern="1200" cap="none">
-                <a:solidFill>
-                  <a:schemeClr val="tx1">
-                    <a:tint val="75000"/>
-                  </a:schemeClr>
-                </a:solidFill>
-                <a:effectLst/>
-                <a:latin typeface="+mn-lt"/>
-                <a:ea typeface="+mn-ea"/>
-                <a:cs typeface="+mn-cs"/>
-              </a:defRPr>
-            </a:lvl6pPr>
-            <a:lvl7pPr marL="2743200" indent="0" algn="ctr" defTabSz="457200" rtl="0" eaLnBrk="1" latinLnBrk="0" hangingPunct="1">
-              <a:spcBef>
-                <a:spcPct val="20000"/>
-              </a:spcBef>
-              <a:spcAft>
-                <a:spcPts val="600"/>
-              </a:spcAft>
-              <a:buClr>
-                <a:schemeClr val="tx1"/>
-              </a:buClr>
-              <a:buSzPct val="80000"/>
-              <a:buFont typeface="Wingdings 3" panose="05040102010807070707" pitchFamily="18" charset="2"/>
-              <a:buNone/>
-              <a:defRPr sz="1400" kern="1200" cap="none">
-                <a:solidFill>
-                  <a:schemeClr val="tx1">
-                    <a:tint val="75000"/>
-                  </a:schemeClr>
-                </a:solidFill>
-                <a:effectLst/>
-                <a:latin typeface="+mn-lt"/>
-                <a:ea typeface="+mn-ea"/>
-                <a:cs typeface="+mn-cs"/>
-              </a:defRPr>
-            </a:lvl7pPr>
-            <a:lvl8pPr marL="3200400" indent="0" algn="ctr" defTabSz="457200" rtl="0" eaLnBrk="1" latinLnBrk="0" hangingPunct="1">
-              <a:spcBef>
-                <a:spcPct val="20000"/>
-              </a:spcBef>
-              <a:spcAft>
-                <a:spcPts val="600"/>
-              </a:spcAft>
-              <a:buClr>
-                <a:schemeClr val="tx1"/>
-              </a:buClr>
-              <a:buSzPct val="80000"/>
-              <a:buFont typeface="Wingdings 3" panose="05040102010807070707" pitchFamily="18" charset="2"/>
-              <a:buNone/>
-              <a:defRPr sz="1400" kern="1200" cap="none">
-                <a:solidFill>
-                  <a:schemeClr val="tx1">
-                    <a:tint val="75000"/>
-                  </a:schemeClr>
-                </a:solidFill>
-                <a:effectLst/>
-                <a:latin typeface="+mn-lt"/>
-                <a:ea typeface="+mn-ea"/>
-                <a:cs typeface="+mn-cs"/>
-              </a:defRPr>
-            </a:lvl8pPr>
-            <a:lvl9pPr marL="3657600" indent="0" algn="ctr" defTabSz="457200" rtl="0" eaLnBrk="1" latinLnBrk="0" hangingPunct="1">
-              <a:spcBef>
-                <a:spcPct val="20000"/>
-              </a:spcBef>
-              <a:spcAft>
-                <a:spcPts val="600"/>
-              </a:spcAft>
-              <a:buClr>
-                <a:schemeClr val="tx1"/>
-              </a:buClr>
-              <a:buSzPct val="80000"/>
-              <a:buFont typeface="Wingdings 3" panose="05040102010807070707" pitchFamily="18" charset="2"/>
-              <a:buNone/>
-              <a:defRPr sz="1400" kern="1200" cap="none">
-                <a:solidFill>
-                  <a:schemeClr val="tx1">
-                    <a:tint val="75000"/>
-                  </a:schemeClr>
-                </a:solidFill>
-                <a:effectLst/>
-                <a:latin typeface="+mn-lt"/>
-                <a:ea typeface="+mn-ea"/>
-                <a:cs typeface="+mn-cs"/>
-              </a:defRPr>
-            </a:lvl9pPr>
-          </a:lstStyle>
+              </a:rPr>
+              <a:t>.NET</a:t>
+            </a:r>
+            <a:endParaRPr lang="ru-RU" dirty="0" smtClean="0">
+              <a:solidFill>
+                <a:schemeClr val="tx2">
+                  <a:lumMod val="20000"/>
+                  <a:lumOff val="80000"/>
+                </a:schemeClr>
+              </a:solidFill>
+            </a:endParaRPr>
+          </a:p>
           <a:p>
             <a:pPr marL="342900" indent="-342900">
               <a:buFont typeface="Wingdings" panose="05000000000000000000" pitchFamily="2" charset="2"/>
               <a:buChar char="Ø"/>
             </a:pPr>
             <a:r>
-              <a:rPr lang="uk-UA" dirty="0" smtClean="0">
+              <a:rPr lang="ru-RU" dirty="0" smtClean="0">
                 <a:solidFill>
                   <a:schemeClr val="tx2">
                     <a:lumMod val="20000"/>
@@ -11278,266 +11534,38 @@
                   </a:schemeClr>
                 </a:solidFill>
               </a:rPr>
-              <a:t>Приклад практичного використання делегатів</a:t>
-            </a:r>
-          </a:p>
-        </p:txBody>
-      </p:sp>
-      <p:sp>
-        <p:nvSpPr>
-          <p:cNvPr id="9" name="Subtitle 4"/>
-          <p:cNvSpPr txBox="1">
-            <a:spLocks/>
-          </p:cNvSpPr>
-          <p:nvPr/>
-        </p:nvSpPr>
-        <p:spPr>
-          <a:xfrm>
-            <a:off x="869863" y="5098474"/>
-            <a:ext cx="7235046" cy="465511"/>
-          </a:xfrm>
-          <a:prstGeom prst="rect">
-            <a:avLst/>
-          </a:prstGeom>
-        </p:spPr>
-        <p:txBody>
-          <a:bodyPr vert="horz" lIns="91440" tIns="45720" rIns="91440" bIns="45720" rtlCol="0" anchor="t">
-            <a:normAutofit fontScale="85000" lnSpcReduction="10000"/>
-          </a:bodyPr>
-          <a:lstStyle>
-            <a:lvl1pPr marL="0" indent="0" algn="l" defTabSz="457200" rtl="0" eaLnBrk="1" latinLnBrk="0" hangingPunct="1">
-              <a:spcBef>
-                <a:spcPct val="20000"/>
-              </a:spcBef>
-              <a:spcAft>
-                <a:spcPts val="600"/>
-              </a:spcAft>
-              <a:buClr>
-                <a:schemeClr val="tx1"/>
-              </a:buClr>
-              <a:buSzPct val="80000"/>
-              <a:buFont typeface="Wingdings 3" panose="05040102010807070707" pitchFamily="18" charset="2"/>
-              <a:buNone/>
-              <a:defRPr sz="2100" kern="1200" cap="none">
-                <a:solidFill>
-                  <a:schemeClr val="bg2">
-                    <a:lumMod val="75000"/>
+              <a:t>Вбудован</a:t>
+            </a:r>
+            <a:r>
+              <a:rPr lang="uk-UA" dirty="0" smtClean="0">
+                <a:solidFill>
+                  <a:schemeClr val="tx2">
+                    <a:lumMod val="20000"/>
+                    <a:lumOff val="80000"/>
                   </a:schemeClr>
                 </a:solidFill>
-                <a:effectLst/>
-                <a:latin typeface="+mn-lt"/>
-                <a:ea typeface="+mn-ea"/>
-                <a:cs typeface="+mn-cs"/>
-              </a:defRPr>
-            </a:lvl1pPr>
-            <a:lvl2pPr marL="457200" indent="0" algn="ctr" defTabSz="457200" rtl="0" eaLnBrk="1" latinLnBrk="0" hangingPunct="1">
-              <a:spcBef>
-                <a:spcPct val="20000"/>
-              </a:spcBef>
-              <a:spcAft>
-                <a:spcPts val="600"/>
-              </a:spcAft>
-              <a:buClr>
-                <a:schemeClr val="tx1"/>
-              </a:buClr>
-              <a:buSzPct val="80000"/>
-              <a:buFont typeface="Wingdings 3" panose="05040102010807070707" pitchFamily="18" charset="2"/>
-              <a:buNone/>
-              <a:defRPr sz="1800" kern="1200" cap="none">
-                <a:solidFill>
-                  <a:schemeClr val="tx1">
-                    <a:tint val="75000"/>
+              </a:rPr>
+              <a:t>і</a:t>
+            </a:r>
+            <a:r>
+              <a:rPr lang="ru-RU" dirty="0" smtClean="0">
+                <a:solidFill>
+                  <a:schemeClr val="tx2">
+                    <a:lumMod val="20000"/>
+                    <a:lumOff val="80000"/>
                   </a:schemeClr>
                 </a:solidFill>
-                <a:effectLst/>
-                <a:latin typeface="+mn-lt"/>
-                <a:ea typeface="+mn-ea"/>
-                <a:cs typeface="+mn-cs"/>
-              </a:defRPr>
-            </a:lvl2pPr>
-            <a:lvl3pPr marL="914400" indent="0" algn="ctr" defTabSz="457200" rtl="0" eaLnBrk="1" latinLnBrk="0" hangingPunct="1">
-              <a:spcBef>
-                <a:spcPct val="20000"/>
-              </a:spcBef>
-              <a:spcAft>
-                <a:spcPts val="600"/>
-              </a:spcAft>
-              <a:buClr>
-                <a:schemeClr val="tx1"/>
-              </a:buClr>
-              <a:buSzPct val="80000"/>
-              <a:buFont typeface="Wingdings 3" panose="05040102010807070707" pitchFamily="18" charset="2"/>
-              <a:buNone/>
-              <a:defRPr sz="1600" kern="1200" cap="none">
-                <a:solidFill>
-                  <a:schemeClr val="tx1">
-                    <a:tint val="75000"/>
-                  </a:schemeClr>
-                </a:solidFill>
-                <a:effectLst/>
-                <a:latin typeface="+mn-lt"/>
-                <a:ea typeface="+mn-ea"/>
-                <a:cs typeface="+mn-cs"/>
-              </a:defRPr>
-            </a:lvl3pPr>
-            <a:lvl4pPr marL="1371600" indent="0" algn="ctr" defTabSz="457200" rtl="0" eaLnBrk="1" latinLnBrk="0" hangingPunct="1">
-              <a:spcBef>
-                <a:spcPct val="20000"/>
-              </a:spcBef>
-              <a:spcAft>
-                <a:spcPts val="600"/>
-              </a:spcAft>
-              <a:buClr>
-                <a:schemeClr val="tx1"/>
-              </a:buClr>
-              <a:buSzPct val="80000"/>
-              <a:buFont typeface="Wingdings 3" panose="05040102010807070707" pitchFamily="18" charset="2"/>
-              <a:buNone/>
-              <a:defRPr sz="1400" kern="1200" cap="none">
-                <a:solidFill>
-                  <a:schemeClr val="tx1">
-                    <a:tint val="75000"/>
-                  </a:schemeClr>
-                </a:solidFill>
-                <a:effectLst/>
-                <a:latin typeface="+mn-lt"/>
-                <a:ea typeface="+mn-ea"/>
-                <a:cs typeface="+mn-cs"/>
-              </a:defRPr>
-            </a:lvl4pPr>
-            <a:lvl5pPr marL="1828800" indent="0" algn="ctr" defTabSz="457200" rtl="0" eaLnBrk="1" latinLnBrk="0" hangingPunct="1">
-              <a:spcBef>
-                <a:spcPct val="20000"/>
-              </a:spcBef>
-              <a:spcAft>
-                <a:spcPts val="600"/>
-              </a:spcAft>
-              <a:buClr>
-                <a:schemeClr val="tx1"/>
-              </a:buClr>
-              <a:buSzPct val="80000"/>
-              <a:buFont typeface="Wingdings 3" panose="05040102010807070707" pitchFamily="18" charset="2"/>
-              <a:buNone/>
-              <a:defRPr sz="1400" kern="1200" cap="none">
-                <a:solidFill>
-                  <a:schemeClr val="tx1">
-                    <a:tint val="75000"/>
-                  </a:schemeClr>
-                </a:solidFill>
-                <a:effectLst/>
-                <a:latin typeface="+mn-lt"/>
-                <a:ea typeface="+mn-ea"/>
-                <a:cs typeface="+mn-cs"/>
-              </a:defRPr>
-            </a:lvl5pPr>
-            <a:lvl6pPr marL="2286000" indent="0" algn="ctr" defTabSz="457200" rtl="0" eaLnBrk="1" latinLnBrk="0" hangingPunct="1">
-              <a:spcBef>
-                <a:spcPct val="20000"/>
-              </a:spcBef>
-              <a:spcAft>
-                <a:spcPts val="600"/>
-              </a:spcAft>
-              <a:buClr>
-                <a:schemeClr val="tx1"/>
-              </a:buClr>
-              <a:buSzPct val="80000"/>
-              <a:buFont typeface="Wingdings 3" panose="05040102010807070707" pitchFamily="18" charset="2"/>
-              <a:buNone/>
-              <a:defRPr sz="1400" kern="1200" cap="none">
-                <a:solidFill>
-                  <a:schemeClr val="tx1">
-                    <a:tint val="75000"/>
-                  </a:schemeClr>
-                </a:solidFill>
-                <a:effectLst/>
-                <a:latin typeface="+mn-lt"/>
-                <a:ea typeface="+mn-ea"/>
-                <a:cs typeface="+mn-cs"/>
-              </a:defRPr>
-            </a:lvl6pPr>
-            <a:lvl7pPr marL="2743200" indent="0" algn="ctr" defTabSz="457200" rtl="0" eaLnBrk="1" latinLnBrk="0" hangingPunct="1">
-              <a:spcBef>
-                <a:spcPct val="20000"/>
-              </a:spcBef>
-              <a:spcAft>
-                <a:spcPts val="600"/>
-              </a:spcAft>
-              <a:buClr>
-                <a:schemeClr val="tx1"/>
-              </a:buClr>
-              <a:buSzPct val="80000"/>
-              <a:buFont typeface="Wingdings 3" panose="05040102010807070707" pitchFamily="18" charset="2"/>
-              <a:buNone/>
-              <a:defRPr sz="1400" kern="1200" cap="none">
-                <a:solidFill>
-                  <a:schemeClr val="tx1">
-                    <a:tint val="75000"/>
-                  </a:schemeClr>
-                </a:solidFill>
-                <a:effectLst/>
-                <a:latin typeface="+mn-lt"/>
-                <a:ea typeface="+mn-ea"/>
-                <a:cs typeface="+mn-cs"/>
-              </a:defRPr>
-            </a:lvl7pPr>
-            <a:lvl8pPr marL="3200400" indent="0" algn="ctr" defTabSz="457200" rtl="0" eaLnBrk="1" latinLnBrk="0" hangingPunct="1">
-              <a:spcBef>
-                <a:spcPct val="20000"/>
-              </a:spcBef>
-              <a:spcAft>
-                <a:spcPts val="600"/>
-              </a:spcAft>
-              <a:buClr>
-                <a:schemeClr val="tx1"/>
-              </a:buClr>
-              <a:buSzPct val="80000"/>
-              <a:buFont typeface="Wingdings 3" panose="05040102010807070707" pitchFamily="18" charset="2"/>
-              <a:buNone/>
-              <a:defRPr sz="1400" kern="1200" cap="none">
-                <a:solidFill>
-                  <a:schemeClr val="tx1">
-                    <a:tint val="75000"/>
-                  </a:schemeClr>
-                </a:solidFill>
-                <a:effectLst/>
-                <a:latin typeface="+mn-lt"/>
-                <a:ea typeface="+mn-ea"/>
-                <a:cs typeface="+mn-cs"/>
-              </a:defRPr>
-            </a:lvl8pPr>
-            <a:lvl9pPr marL="3657600" indent="0" algn="ctr" defTabSz="457200" rtl="0" eaLnBrk="1" latinLnBrk="0" hangingPunct="1">
-              <a:spcBef>
-                <a:spcPct val="20000"/>
-              </a:spcBef>
-              <a:spcAft>
-                <a:spcPts val="600"/>
-              </a:spcAft>
-              <a:buClr>
-                <a:schemeClr val="tx1"/>
-              </a:buClr>
-              <a:buSzPct val="80000"/>
-              <a:buFont typeface="Wingdings 3" panose="05040102010807070707" pitchFamily="18" charset="2"/>
-              <a:buNone/>
-              <a:defRPr sz="1400" kern="1200" cap="none">
-                <a:solidFill>
-                  <a:schemeClr val="tx1">
-                    <a:tint val="75000"/>
-                  </a:schemeClr>
-                </a:solidFill>
-                <a:effectLst/>
-                <a:latin typeface="+mn-lt"/>
-                <a:ea typeface="+mn-ea"/>
-                <a:cs typeface="+mn-cs"/>
-              </a:defRPr>
-            </a:lvl9pPr>
-          </a:lstStyle>
+              </a:rPr>
+              <a:t> делегати</a:t>
+            </a:r>
+          </a:p>
           <a:p>
             <a:pPr marL="342900" indent="-342900">
               <a:buFont typeface="Wingdings" panose="05000000000000000000" pitchFamily="2" charset="2"/>
               <a:buChar char="Ø"/>
             </a:pPr>
             <a:r>
-              <a:rPr lang="uk-UA" dirty="0" smtClean="0">
+              <a:rPr lang="ru-RU" dirty="0" smtClean="0">
                 <a:solidFill>
                   <a:schemeClr val="tx2">
                     <a:lumMod val="20000"/>
@@ -11545,10 +11573,16 @@
                   </a:schemeClr>
                 </a:solidFill>
               </a:rPr>
-              <a:t>Приклад </a:t>
-            </a:r>
-            <a:r>
-              <a:rPr lang="uk-UA" dirty="0" smtClean="0">
+              <a:t>Приклад практичного застосування делегатів</a:t>
+            </a:r>
+          </a:p>
+          <a:p>
+            <a:pPr marL="342900" indent="-342900">
+              <a:buFont typeface="Wingdings" panose="05000000000000000000" pitchFamily="2" charset="2"/>
+              <a:buChar char="Ø"/>
+            </a:pPr>
+            <a:r>
+              <a:rPr lang="ru-RU" dirty="0" smtClean="0">
                 <a:solidFill>
                   <a:schemeClr val="tx2">
                     <a:lumMod val="20000"/>
@@ -11556,10 +11590,16 @@
                   </a:schemeClr>
                 </a:solidFill>
               </a:rPr>
-              <a:t>використання делегатів</a:t>
-            </a:r>
-            <a:r>
-              <a:rPr lang="en-US" dirty="0" smtClean="0">
+              <a:t>Використання делегатів у вбудованих методах</a:t>
+            </a:r>
+          </a:p>
+          <a:p>
+            <a:pPr marL="342900" indent="-342900">
+              <a:buFont typeface="Wingdings" panose="05000000000000000000" pitchFamily="2" charset="2"/>
+              <a:buChar char="Ø"/>
+            </a:pPr>
+            <a:r>
+              <a:rPr lang="ru-RU" dirty="0" smtClean="0">
                 <a:solidFill>
                   <a:schemeClr val="tx2">
                     <a:lumMod val="20000"/>
@@ -11567,8 +11607,14 @@
                   </a:schemeClr>
                 </a:solidFill>
               </a:rPr>
-              <a:t> </a:t>
-            </a:r>
+              <a:t>Висновок. Корисні джерела</a:t>
+            </a:r>
+          </a:p>
+          <a:p>
+            <a:pPr marL="342900" indent="-342900">
+              <a:buFont typeface="Wingdings" panose="05000000000000000000" pitchFamily="2" charset="2"/>
+              <a:buChar char="Ø"/>
+            </a:pPr>
             <a:r>
               <a:rPr lang="ru-RU" dirty="0" smtClean="0">
                 <a:solidFill>
@@ -11578,275 +11624,14 @@
                   </a:schemeClr>
                 </a:solidFill>
               </a:rPr>
-              <a:t>у вбудованих методах </a:t>
-            </a:r>
-          </a:p>
-        </p:txBody>
-      </p:sp>
-      <p:sp>
-        <p:nvSpPr>
-          <p:cNvPr id="10" name="Subtitle 4"/>
-          <p:cNvSpPr txBox="1">
-            <a:spLocks/>
-          </p:cNvSpPr>
-          <p:nvPr/>
-        </p:nvSpPr>
-        <p:spPr>
-          <a:xfrm>
-            <a:off x="869864" y="5705303"/>
-            <a:ext cx="4599911" cy="465511"/>
-          </a:xfrm>
-          <a:prstGeom prst="rect">
-            <a:avLst/>
-          </a:prstGeom>
-        </p:spPr>
-        <p:txBody>
-          <a:bodyPr vert="horz" lIns="91440" tIns="45720" rIns="91440" bIns="45720" rtlCol="0" anchor="t">
-            <a:normAutofit fontScale="92500"/>
-          </a:bodyPr>
-          <a:lstStyle>
-            <a:lvl1pPr marL="0" indent="0" algn="l" defTabSz="457200" rtl="0" eaLnBrk="1" latinLnBrk="0" hangingPunct="1">
-              <a:spcBef>
-                <a:spcPct val="20000"/>
-              </a:spcBef>
-              <a:spcAft>
-                <a:spcPts val="600"/>
-              </a:spcAft>
-              <a:buClr>
-                <a:schemeClr val="tx1"/>
-              </a:buClr>
-              <a:buSzPct val="80000"/>
-              <a:buFont typeface="Wingdings 3" panose="05040102010807070707" pitchFamily="18" charset="2"/>
-              <a:buNone/>
-              <a:defRPr sz="2100" kern="1200" cap="none">
-                <a:solidFill>
-                  <a:schemeClr val="bg2">
-                    <a:lumMod val="75000"/>
-                  </a:schemeClr>
-                </a:solidFill>
-                <a:effectLst/>
-                <a:latin typeface="+mn-lt"/>
-                <a:ea typeface="+mn-ea"/>
-                <a:cs typeface="+mn-cs"/>
-              </a:defRPr>
-            </a:lvl1pPr>
-            <a:lvl2pPr marL="457200" indent="0" algn="ctr" defTabSz="457200" rtl="0" eaLnBrk="1" latinLnBrk="0" hangingPunct="1">
-              <a:spcBef>
-                <a:spcPct val="20000"/>
-              </a:spcBef>
-              <a:spcAft>
-                <a:spcPts val="600"/>
-              </a:spcAft>
-              <a:buClr>
-                <a:schemeClr val="tx1"/>
-              </a:buClr>
-              <a:buSzPct val="80000"/>
-              <a:buFont typeface="Wingdings 3" panose="05040102010807070707" pitchFamily="18" charset="2"/>
-              <a:buNone/>
-              <a:defRPr sz="1800" kern="1200" cap="none">
-                <a:solidFill>
-                  <a:schemeClr val="tx1">
-                    <a:tint val="75000"/>
-                  </a:schemeClr>
-                </a:solidFill>
-                <a:effectLst/>
-                <a:latin typeface="+mn-lt"/>
-                <a:ea typeface="+mn-ea"/>
-                <a:cs typeface="+mn-cs"/>
-              </a:defRPr>
-            </a:lvl2pPr>
-            <a:lvl3pPr marL="914400" indent="0" algn="ctr" defTabSz="457200" rtl="0" eaLnBrk="1" latinLnBrk="0" hangingPunct="1">
-              <a:spcBef>
-                <a:spcPct val="20000"/>
-              </a:spcBef>
-              <a:spcAft>
-                <a:spcPts val="600"/>
-              </a:spcAft>
-              <a:buClr>
-                <a:schemeClr val="tx1"/>
-              </a:buClr>
-              <a:buSzPct val="80000"/>
-              <a:buFont typeface="Wingdings 3" panose="05040102010807070707" pitchFamily="18" charset="2"/>
-              <a:buNone/>
-              <a:defRPr sz="1600" kern="1200" cap="none">
-                <a:solidFill>
-                  <a:schemeClr val="tx1">
-                    <a:tint val="75000"/>
-                  </a:schemeClr>
-                </a:solidFill>
-                <a:effectLst/>
-                <a:latin typeface="+mn-lt"/>
-                <a:ea typeface="+mn-ea"/>
-                <a:cs typeface="+mn-cs"/>
-              </a:defRPr>
-            </a:lvl3pPr>
-            <a:lvl4pPr marL="1371600" indent="0" algn="ctr" defTabSz="457200" rtl="0" eaLnBrk="1" latinLnBrk="0" hangingPunct="1">
-              <a:spcBef>
-                <a:spcPct val="20000"/>
-              </a:spcBef>
-              <a:spcAft>
-                <a:spcPts val="600"/>
-              </a:spcAft>
-              <a:buClr>
-                <a:schemeClr val="tx1"/>
-              </a:buClr>
-              <a:buSzPct val="80000"/>
-              <a:buFont typeface="Wingdings 3" panose="05040102010807070707" pitchFamily="18" charset="2"/>
-              <a:buNone/>
-              <a:defRPr sz="1400" kern="1200" cap="none">
-                <a:solidFill>
-                  <a:schemeClr val="tx1">
-                    <a:tint val="75000"/>
-                  </a:schemeClr>
-                </a:solidFill>
-                <a:effectLst/>
-                <a:latin typeface="+mn-lt"/>
-                <a:ea typeface="+mn-ea"/>
-                <a:cs typeface="+mn-cs"/>
-              </a:defRPr>
-            </a:lvl4pPr>
-            <a:lvl5pPr marL="1828800" indent="0" algn="ctr" defTabSz="457200" rtl="0" eaLnBrk="1" latinLnBrk="0" hangingPunct="1">
-              <a:spcBef>
-                <a:spcPct val="20000"/>
-              </a:spcBef>
-              <a:spcAft>
-                <a:spcPts val="600"/>
-              </a:spcAft>
-              <a:buClr>
-                <a:schemeClr val="tx1"/>
-              </a:buClr>
-              <a:buSzPct val="80000"/>
-              <a:buFont typeface="Wingdings 3" panose="05040102010807070707" pitchFamily="18" charset="2"/>
-              <a:buNone/>
-              <a:defRPr sz="1400" kern="1200" cap="none">
-                <a:solidFill>
-                  <a:schemeClr val="tx1">
-                    <a:tint val="75000"/>
-                  </a:schemeClr>
-                </a:solidFill>
-                <a:effectLst/>
-                <a:latin typeface="+mn-lt"/>
-                <a:ea typeface="+mn-ea"/>
-                <a:cs typeface="+mn-cs"/>
-              </a:defRPr>
-            </a:lvl5pPr>
-            <a:lvl6pPr marL="2286000" indent="0" algn="ctr" defTabSz="457200" rtl="0" eaLnBrk="1" latinLnBrk="0" hangingPunct="1">
-              <a:spcBef>
-                <a:spcPct val="20000"/>
-              </a:spcBef>
-              <a:spcAft>
-                <a:spcPts val="600"/>
-              </a:spcAft>
-              <a:buClr>
-                <a:schemeClr val="tx1"/>
-              </a:buClr>
-              <a:buSzPct val="80000"/>
-              <a:buFont typeface="Wingdings 3" panose="05040102010807070707" pitchFamily="18" charset="2"/>
-              <a:buNone/>
-              <a:defRPr sz="1400" kern="1200" cap="none">
-                <a:solidFill>
-                  <a:schemeClr val="tx1">
-                    <a:tint val="75000"/>
-                  </a:schemeClr>
-                </a:solidFill>
-                <a:effectLst/>
-                <a:latin typeface="+mn-lt"/>
-                <a:ea typeface="+mn-ea"/>
-                <a:cs typeface="+mn-cs"/>
-              </a:defRPr>
-            </a:lvl6pPr>
-            <a:lvl7pPr marL="2743200" indent="0" algn="ctr" defTabSz="457200" rtl="0" eaLnBrk="1" latinLnBrk="0" hangingPunct="1">
-              <a:spcBef>
-                <a:spcPct val="20000"/>
-              </a:spcBef>
-              <a:spcAft>
-                <a:spcPts val="600"/>
-              </a:spcAft>
-              <a:buClr>
-                <a:schemeClr val="tx1"/>
-              </a:buClr>
-              <a:buSzPct val="80000"/>
-              <a:buFont typeface="Wingdings 3" panose="05040102010807070707" pitchFamily="18" charset="2"/>
-              <a:buNone/>
-              <a:defRPr sz="1400" kern="1200" cap="none">
-                <a:solidFill>
-                  <a:schemeClr val="tx1">
-                    <a:tint val="75000"/>
-                  </a:schemeClr>
-                </a:solidFill>
-                <a:effectLst/>
-                <a:latin typeface="+mn-lt"/>
-                <a:ea typeface="+mn-ea"/>
-                <a:cs typeface="+mn-cs"/>
-              </a:defRPr>
-            </a:lvl7pPr>
-            <a:lvl8pPr marL="3200400" indent="0" algn="ctr" defTabSz="457200" rtl="0" eaLnBrk="1" latinLnBrk="0" hangingPunct="1">
-              <a:spcBef>
-                <a:spcPct val="20000"/>
-              </a:spcBef>
-              <a:spcAft>
-                <a:spcPts val="600"/>
-              </a:spcAft>
-              <a:buClr>
-                <a:schemeClr val="tx1"/>
-              </a:buClr>
-              <a:buSzPct val="80000"/>
-              <a:buFont typeface="Wingdings 3" panose="05040102010807070707" pitchFamily="18" charset="2"/>
-              <a:buNone/>
-              <a:defRPr sz="1400" kern="1200" cap="none">
-                <a:solidFill>
-                  <a:schemeClr val="tx1">
-                    <a:tint val="75000"/>
-                  </a:schemeClr>
-                </a:solidFill>
-                <a:effectLst/>
-                <a:latin typeface="+mn-lt"/>
-                <a:ea typeface="+mn-ea"/>
-                <a:cs typeface="+mn-cs"/>
-              </a:defRPr>
-            </a:lvl8pPr>
-            <a:lvl9pPr marL="3657600" indent="0" algn="ctr" defTabSz="457200" rtl="0" eaLnBrk="1" latinLnBrk="0" hangingPunct="1">
-              <a:spcBef>
-                <a:spcPct val="20000"/>
-              </a:spcBef>
-              <a:spcAft>
-                <a:spcPts val="600"/>
-              </a:spcAft>
-              <a:buClr>
-                <a:schemeClr val="tx1"/>
-              </a:buClr>
-              <a:buSzPct val="80000"/>
-              <a:buFont typeface="Wingdings 3" panose="05040102010807070707" pitchFamily="18" charset="2"/>
-              <a:buNone/>
-              <a:defRPr sz="1400" kern="1200" cap="none">
-                <a:solidFill>
-                  <a:schemeClr val="tx1">
-                    <a:tint val="75000"/>
-                  </a:schemeClr>
-                </a:solidFill>
-                <a:effectLst/>
-                <a:latin typeface="+mn-lt"/>
-                <a:ea typeface="+mn-ea"/>
-                <a:cs typeface="+mn-cs"/>
-              </a:defRPr>
-            </a:lvl9pPr>
-          </a:lstStyle>
+              <a:t>Запитання та відповіді</a:t>
+            </a:r>
+          </a:p>
           <a:p>
             <a:pPr marL="342900" indent="-342900">
               <a:buFont typeface="Wingdings" panose="05000000000000000000" pitchFamily="2" charset="2"/>
               <a:buChar char="Ø"/>
             </a:pPr>
-            <a:r>
-              <a:rPr lang="uk-UA" dirty="0" smtClean="0">
-                <a:solidFill>
-                  <a:schemeClr val="tx2">
-                    <a:lumMod val="20000"/>
-                    <a:lumOff val="80000"/>
-                  </a:schemeClr>
-                </a:solidFill>
-              </a:rPr>
-              <a:t>Висновок. Запитання та відповіді</a:t>
-            </a:r>
             <a:endParaRPr lang="uk-UA" dirty="0" smtClean="0">
               <a:solidFill>
                 <a:schemeClr val="tx2">
@@ -11988,7 +11773,7 @@
                             </p:stCondLst>
                             <p:childTnLst>
                               <p:par>
-                                <p:cTn id="12" presetID="42" presetClass="entr" presetSubtype="0" fill="hold" grpId="0" nodeType="clickEffect">
+                                <p:cTn id="12" presetID="42" presetClass="entr" presetSubtype="0" fill="hold" nodeType="clickEffect">
                                   <p:stCondLst>
                                     <p:cond delay="0"/>
                                   </p:stCondLst>
@@ -12001,7 +11786,7 @@
                                           </p:stCondLst>
                                         </p:cTn>
                                         <p:tgtEl>
-                                          <p:spTgt spid="5">
+                                          <p:spTgt spid="6">
                                             <p:txEl>
                                               <p:pRg st="0" end="0"/>
                                             </p:txEl>
@@ -12019,7 +11804,7 @@
                                       <p:cBhvr>
                                         <p:cTn id="14" dur="1000"/>
                                         <p:tgtEl>
-                                          <p:spTgt spid="5">
+                                          <p:spTgt spid="6">
                                             <p:txEl>
                                               <p:pRg st="0" end="0"/>
                                             </p:txEl>
@@ -12031,7 +11816,7 @@
                                       <p:cBhvr>
                                         <p:cTn id="15" dur="1000" fill="hold"/>
                                         <p:tgtEl>
-                                          <p:spTgt spid="5">
+                                          <p:spTgt spid="6">
                                             <p:txEl>
                                               <p:pRg st="0" end="0"/>
                                             </p:txEl>
@@ -12058,7 +11843,7 @@
                                       <p:cBhvr>
                                         <p:cTn id="16" dur="1000" fill="hold"/>
                                         <p:tgtEl>
-                                          <p:spTgt spid="5">
+                                          <p:spTgt spid="6">
                                             <p:txEl>
                                               <p:pRg st="0" end="0"/>
                                             </p:txEl>
@@ -12116,9 +11901,9 @@
                                           </p:stCondLst>
                                         </p:cTn>
                                         <p:tgtEl>
-                                          <p:spTgt spid="7">
+                                          <p:spTgt spid="6">
                                             <p:txEl>
-                                              <p:pRg st="0" end="0"/>
+                                              <p:pRg st="1" end="1"/>
                                             </p:txEl>
                                           </p:spTgt>
                                         </p:tgtEl>
@@ -12134,9 +11919,9 @@
                                       <p:cBhvr>
                                         <p:cTn id="21" dur="1000"/>
                                         <p:tgtEl>
-                                          <p:spTgt spid="7">
+                                          <p:spTgt spid="6">
                                             <p:txEl>
-                                              <p:pRg st="0" end="0"/>
+                                              <p:pRg st="1" end="1"/>
                                             </p:txEl>
                                           </p:spTgt>
                                         </p:tgtEl>
@@ -12146,9 +11931,9 @@
                                       <p:cBhvr>
                                         <p:cTn id="22" dur="1000" fill="hold"/>
                                         <p:tgtEl>
-                                          <p:spTgt spid="7">
+                                          <p:spTgt spid="6">
                                             <p:txEl>
-                                              <p:pRg st="0" end="0"/>
+                                              <p:pRg st="1" end="1"/>
                                             </p:txEl>
                                           </p:spTgt>
                                         </p:tgtEl>
@@ -12173,9 +11958,9 @@
                                       <p:cBhvr>
                                         <p:cTn id="23" dur="1000" fill="hold"/>
                                         <p:tgtEl>
-                                          <p:spTgt spid="7">
+                                          <p:spTgt spid="6">
                                             <p:txEl>
-                                              <p:pRg st="0" end="0"/>
+                                              <p:pRg st="1" end="1"/>
                                             </p:txEl>
                                           </p:spTgt>
                                         </p:tgtEl>
@@ -12231,9 +12016,9 @@
                                           </p:stCondLst>
                                         </p:cTn>
                                         <p:tgtEl>
-                                          <p:spTgt spid="8">
+                                          <p:spTgt spid="6">
                                             <p:txEl>
-                                              <p:pRg st="0" end="0"/>
+                                              <p:pRg st="2" end="2"/>
                                             </p:txEl>
                                           </p:spTgt>
                                         </p:tgtEl>
@@ -12249,9 +12034,9 @@
                                       <p:cBhvr>
                                         <p:cTn id="28" dur="1000"/>
                                         <p:tgtEl>
-                                          <p:spTgt spid="8">
+                                          <p:spTgt spid="6">
                                             <p:txEl>
-                                              <p:pRg st="0" end="0"/>
+                                              <p:pRg st="2" end="2"/>
                                             </p:txEl>
                                           </p:spTgt>
                                         </p:tgtEl>
@@ -12261,9 +12046,9 @@
                                       <p:cBhvr>
                                         <p:cTn id="29" dur="1000" fill="hold"/>
                                         <p:tgtEl>
-                                          <p:spTgt spid="8">
+                                          <p:spTgt spid="6">
                                             <p:txEl>
-                                              <p:pRg st="0" end="0"/>
+                                              <p:pRg st="2" end="2"/>
                                             </p:txEl>
                                           </p:spTgt>
                                         </p:tgtEl>
@@ -12288,9 +12073,9 @@
                                       <p:cBhvr>
                                         <p:cTn id="30" dur="1000" fill="hold"/>
                                         <p:tgtEl>
-                                          <p:spTgt spid="8">
+                                          <p:spTgt spid="6">
                                             <p:txEl>
-                                              <p:pRg st="0" end="0"/>
+                                              <p:pRg st="2" end="2"/>
                                             </p:txEl>
                                           </p:spTgt>
                                         </p:tgtEl>
@@ -12333,7 +12118,7 @@
                             </p:stCondLst>
                             <p:childTnLst>
                               <p:par>
-                                <p:cTn id="33" presetID="42" presetClass="entr" presetSubtype="0" fill="hold" grpId="0" nodeType="clickEffect">
+                                <p:cTn id="33" presetID="42" presetClass="entr" presetSubtype="0" fill="hold" nodeType="clickEffect">
                                   <p:stCondLst>
                                     <p:cond delay="0"/>
                                   </p:stCondLst>
@@ -12346,7 +12131,11 @@
                                           </p:stCondLst>
                                         </p:cTn>
                                         <p:tgtEl>
-                                          <p:spTgt spid="9"/>
+                                          <p:spTgt spid="6">
+                                            <p:txEl>
+                                              <p:pRg st="3" end="3"/>
+                                            </p:txEl>
+                                          </p:spTgt>
                                         </p:tgtEl>
                                         <p:attrNameLst>
                                           <p:attrName>style.visibility</p:attrName>
@@ -12360,7 +12149,11 @@
                                       <p:cBhvr>
                                         <p:cTn id="35" dur="1000"/>
                                         <p:tgtEl>
-                                          <p:spTgt spid="9"/>
+                                          <p:spTgt spid="6">
+                                            <p:txEl>
+                                              <p:pRg st="3" end="3"/>
+                                            </p:txEl>
+                                          </p:spTgt>
                                         </p:tgtEl>
                                       </p:cBhvr>
                                     </p:animEffect>
@@ -12368,7 +12161,11 @@
                                       <p:cBhvr>
                                         <p:cTn id="36" dur="1000" fill="hold"/>
                                         <p:tgtEl>
-                                          <p:spTgt spid="9"/>
+                                          <p:spTgt spid="6">
+                                            <p:txEl>
+                                              <p:pRg st="3" end="3"/>
+                                            </p:txEl>
+                                          </p:spTgt>
                                         </p:tgtEl>
                                         <p:attrNameLst>
                                           <p:attrName>ppt_x</p:attrName>
@@ -12391,7 +12188,11 @@
                                       <p:cBhvr>
                                         <p:cTn id="37" dur="1000" fill="hold"/>
                                         <p:tgtEl>
-                                          <p:spTgt spid="9"/>
+                                          <p:spTgt spid="6">
+                                            <p:txEl>
+                                              <p:pRg st="3" end="3"/>
+                                            </p:txEl>
+                                          </p:spTgt>
                                         </p:tgtEl>
                                         <p:attrNameLst>
                                           <p:attrName>ppt_y</p:attrName>
@@ -12445,9 +12246,9 @@
                                           </p:stCondLst>
                                         </p:cTn>
                                         <p:tgtEl>
-                                          <p:spTgt spid="10">
+                                          <p:spTgt spid="6">
                                             <p:txEl>
-                                              <p:pRg st="0" end="0"/>
+                                              <p:pRg st="4" end="4"/>
                                             </p:txEl>
                                           </p:spTgt>
                                         </p:tgtEl>
@@ -12463,9 +12264,9 @@
                                       <p:cBhvr>
                                         <p:cTn id="42" dur="1000"/>
                                         <p:tgtEl>
-                                          <p:spTgt spid="10">
+                                          <p:spTgt spid="6">
                                             <p:txEl>
-                                              <p:pRg st="0" end="0"/>
+                                              <p:pRg st="4" end="4"/>
                                             </p:txEl>
                                           </p:spTgt>
                                         </p:tgtEl>
@@ -12475,9 +12276,9 @@
                                       <p:cBhvr>
                                         <p:cTn id="43" dur="1000" fill="hold"/>
                                         <p:tgtEl>
-                                          <p:spTgt spid="10">
+                                          <p:spTgt spid="6">
                                             <p:txEl>
-                                              <p:pRg st="0" end="0"/>
+                                              <p:pRg st="4" end="4"/>
                                             </p:txEl>
                                           </p:spTgt>
                                         </p:tgtEl>
@@ -12502,9 +12303,239 @@
                                       <p:cBhvr>
                                         <p:cTn id="44" dur="1000" fill="hold"/>
                                         <p:tgtEl>
-                                          <p:spTgt spid="10">
+                                          <p:spTgt spid="6">
                                             <p:txEl>
-                                              <p:pRg st="0" end="0"/>
+                                              <p:pRg st="4" end="4"/>
+                                            </p:txEl>
+                                          </p:spTgt>
+                                        </p:tgtEl>
+                                        <p:attrNameLst>
+                                          <p:attrName>ppt_y</p:attrName>
+                                        </p:attrNameLst>
+                                      </p:cBhvr>
+                                      <p:tavLst>
+                                        <p:tav tm="0">
+                                          <p:val>
+                                            <p:strVal val="#ppt_y+.1"/>
+                                          </p:val>
+                                        </p:tav>
+                                        <p:tav tm="100000">
+                                          <p:val>
+                                            <p:strVal val="#ppt_y"/>
+                                          </p:val>
+                                        </p:tav>
+                                      </p:tavLst>
+                                    </p:anim>
+                                  </p:childTnLst>
+                                </p:cTn>
+                              </p:par>
+                            </p:childTnLst>
+                          </p:cTn>
+                        </p:par>
+                      </p:childTnLst>
+                    </p:cTn>
+                  </p:par>
+                  <p:par>
+                    <p:cTn id="45" fill="hold">
+                      <p:stCondLst>
+                        <p:cond delay="indefinite"/>
+                      </p:stCondLst>
+                      <p:childTnLst>
+                        <p:par>
+                          <p:cTn id="46" fill="hold">
+                            <p:stCondLst>
+                              <p:cond delay="0"/>
+                            </p:stCondLst>
+                            <p:childTnLst>
+                              <p:par>
+                                <p:cTn id="47" presetID="42" presetClass="entr" presetSubtype="0" fill="hold" nodeType="clickEffect">
+                                  <p:stCondLst>
+                                    <p:cond delay="0"/>
+                                  </p:stCondLst>
+                                  <p:childTnLst>
+                                    <p:set>
+                                      <p:cBhvr>
+                                        <p:cTn id="48" dur="1" fill="hold">
+                                          <p:stCondLst>
+                                            <p:cond delay="0"/>
+                                          </p:stCondLst>
+                                        </p:cTn>
+                                        <p:tgtEl>
+                                          <p:spTgt spid="6">
+                                            <p:txEl>
+                                              <p:pRg st="5" end="5"/>
+                                            </p:txEl>
+                                          </p:spTgt>
+                                        </p:tgtEl>
+                                        <p:attrNameLst>
+                                          <p:attrName>style.visibility</p:attrName>
+                                        </p:attrNameLst>
+                                      </p:cBhvr>
+                                      <p:to>
+                                        <p:strVal val="visible"/>
+                                      </p:to>
+                                    </p:set>
+                                    <p:animEffect transition="in" filter="fade">
+                                      <p:cBhvr>
+                                        <p:cTn id="49" dur="1000"/>
+                                        <p:tgtEl>
+                                          <p:spTgt spid="6">
+                                            <p:txEl>
+                                              <p:pRg st="5" end="5"/>
+                                            </p:txEl>
+                                          </p:spTgt>
+                                        </p:tgtEl>
+                                      </p:cBhvr>
+                                    </p:animEffect>
+                                    <p:anim calcmode="lin" valueType="num">
+                                      <p:cBhvr>
+                                        <p:cTn id="50" dur="1000" fill="hold"/>
+                                        <p:tgtEl>
+                                          <p:spTgt spid="6">
+                                            <p:txEl>
+                                              <p:pRg st="5" end="5"/>
+                                            </p:txEl>
+                                          </p:spTgt>
+                                        </p:tgtEl>
+                                        <p:attrNameLst>
+                                          <p:attrName>ppt_x</p:attrName>
+                                        </p:attrNameLst>
+                                      </p:cBhvr>
+                                      <p:tavLst>
+                                        <p:tav tm="0">
+                                          <p:val>
+                                            <p:strVal val="#ppt_x"/>
+                                          </p:val>
+                                        </p:tav>
+                                        <p:tav tm="100000">
+                                          <p:val>
+                                            <p:strVal val="#ppt_x"/>
+                                          </p:val>
+                                        </p:tav>
+                                      </p:tavLst>
+                                    </p:anim>
+                                    <p:anim calcmode="lin" valueType="num">
+                                      <p:cBhvr>
+                                        <p:cTn id="51" dur="1000" fill="hold"/>
+                                        <p:tgtEl>
+                                          <p:spTgt spid="6">
+                                            <p:txEl>
+                                              <p:pRg st="5" end="5"/>
+                                            </p:txEl>
+                                          </p:spTgt>
+                                        </p:tgtEl>
+                                        <p:attrNameLst>
+                                          <p:attrName>ppt_y</p:attrName>
+                                        </p:attrNameLst>
+                                      </p:cBhvr>
+                                      <p:tavLst>
+                                        <p:tav tm="0">
+                                          <p:val>
+                                            <p:strVal val="#ppt_y+.1"/>
+                                          </p:val>
+                                        </p:tav>
+                                        <p:tav tm="100000">
+                                          <p:val>
+                                            <p:strVal val="#ppt_y"/>
+                                          </p:val>
+                                        </p:tav>
+                                      </p:tavLst>
+                                    </p:anim>
+                                  </p:childTnLst>
+                                </p:cTn>
+                              </p:par>
+                            </p:childTnLst>
+                          </p:cTn>
+                        </p:par>
+                      </p:childTnLst>
+                    </p:cTn>
+                  </p:par>
+                  <p:par>
+                    <p:cTn id="52" fill="hold">
+                      <p:stCondLst>
+                        <p:cond delay="indefinite"/>
+                      </p:stCondLst>
+                      <p:childTnLst>
+                        <p:par>
+                          <p:cTn id="53" fill="hold">
+                            <p:stCondLst>
+                              <p:cond delay="0"/>
+                            </p:stCondLst>
+                            <p:childTnLst>
+                              <p:par>
+                                <p:cTn id="54" presetID="42" presetClass="entr" presetSubtype="0" fill="hold" nodeType="clickEffect">
+                                  <p:stCondLst>
+                                    <p:cond delay="0"/>
+                                  </p:stCondLst>
+                                  <p:childTnLst>
+                                    <p:set>
+                                      <p:cBhvr>
+                                        <p:cTn id="55" dur="1" fill="hold">
+                                          <p:stCondLst>
+                                            <p:cond delay="0"/>
+                                          </p:stCondLst>
+                                        </p:cTn>
+                                        <p:tgtEl>
+                                          <p:spTgt spid="6">
+                                            <p:txEl>
+                                              <p:pRg st="6" end="6"/>
+                                            </p:txEl>
+                                          </p:spTgt>
+                                        </p:tgtEl>
+                                        <p:attrNameLst>
+                                          <p:attrName>style.visibility</p:attrName>
+                                        </p:attrNameLst>
+                                      </p:cBhvr>
+                                      <p:to>
+                                        <p:strVal val="visible"/>
+                                      </p:to>
+                                    </p:set>
+                                    <p:animEffect transition="in" filter="fade">
+                                      <p:cBhvr>
+                                        <p:cTn id="56" dur="1000"/>
+                                        <p:tgtEl>
+                                          <p:spTgt spid="6">
+                                            <p:txEl>
+                                              <p:pRg st="6" end="6"/>
+                                            </p:txEl>
+                                          </p:spTgt>
+                                        </p:tgtEl>
+                                      </p:cBhvr>
+                                    </p:animEffect>
+                                    <p:anim calcmode="lin" valueType="num">
+                                      <p:cBhvr>
+                                        <p:cTn id="57" dur="1000" fill="hold"/>
+                                        <p:tgtEl>
+                                          <p:spTgt spid="6">
+                                            <p:txEl>
+                                              <p:pRg st="6" end="6"/>
+                                            </p:txEl>
+                                          </p:spTgt>
+                                        </p:tgtEl>
+                                        <p:attrNameLst>
+                                          <p:attrName>ppt_x</p:attrName>
+                                        </p:attrNameLst>
+                                      </p:cBhvr>
+                                      <p:tavLst>
+                                        <p:tav tm="0">
+                                          <p:val>
+                                            <p:strVal val="#ppt_x"/>
+                                          </p:val>
+                                        </p:tav>
+                                        <p:tav tm="100000">
+                                          <p:val>
+                                            <p:strVal val="#ppt_x"/>
+                                          </p:val>
+                                        </p:tav>
+                                      </p:tavLst>
+                                    </p:anim>
+                                    <p:anim calcmode="lin" valueType="num">
+                                      <p:cBhvr>
+                                        <p:cTn id="58" dur="1000" fill="hold"/>
+                                        <p:tgtEl>
+                                          <p:spTgt spid="6">
+                                            <p:txEl>
+                                              <p:pRg st="6" end="6"/>
                                             </p:txEl>
                                           </p:spTgt>
                                         </p:tgtEl>
@@ -12556,9 +12587,7 @@
       </p:par>
     </p:tnLst>
     <p:bldLst>
-      <p:bldP spid="5" grpId="0" build="p"/>
       <p:bldP spid="6" grpId="0"/>
-      <p:bldP spid="9" grpId="0"/>
     </p:bldLst>
   </p:timing>
 </p:sld>
@@ -12605,7 +12634,7 @@
           <a:p>
             <a:r>
               <a:rPr lang="ru-RU" dirty="0" smtClean="0"/>
-              <a:t>Загальн</a:t>
+              <a:t>    Загальн</a:t>
             </a:r>
             <a:r>
               <a:rPr lang="uk-UA" dirty="0" smtClean="0"/>
@@ -12688,7 +12717,7 @@
         </p:spPr>
         <p:txBody>
           <a:bodyPr vert="horz" lIns="91440" tIns="45720" rIns="91440" bIns="45720" rtlCol="0" anchor="t">
-            <a:normAutofit fontScale="92500" lnSpcReduction="10000"/>
+            <a:normAutofit fontScale="92500" lnSpcReduction="20000"/>
           </a:bodyPr>
           <a:lstStyle>
             <a:lvl1pPr marL="0" indent="0" algn="l" defTabSz="457200" rtl="0" eaLnBrk="1" latinLnBrk="0" hangingPunct="1">
@@ -12926,7 +12955,7 @@
                   </a:schemeClr>
                 </a:solidFill>
               </a:rPr>
-              <a:t>Делегат представляє собою тип даних, об</a:t>
+              <a:t>	Делегат представляє собою тип даних, об</a:t>
             </a:r>
             <a:r>
               <a:rPr lang="en-US" dirty="0" smtClean="0">
@@ -12983,7 +13012,7 @@
                   <a:schemeClr val="accent6"/>
                 </a:solidFill>
               </a:rPr>
-              <a:t>ВАЖЛИВО</a:t>
+              <a:t>	ВАЖЛИВО</a:t>
             </a:r>
             <a:r>
               <a:rPr lang="en-US" b="1" dirty="0" smtClean="0">
@@ -12999,7 +13028,39 @@
                   <a:schemeClr val="accent6"/>
                 </a:solidFill>
               </a:rPr>
-              <a:t> Делегат може посилатися лише на метод сигнатура якого(тип повернення, та кількість і типи параметрів) відповідає сигнатурі делегата. </a:t>
+              <a:t> Делегат може посилатися лише на </a:t>
+            </a:r>
+            <a:r>
+              <a:rPr lang="uk-UA" b="1" dirty="0" smtClean="0">
+                <a:solidFill>
+                  <a:schemeClr val="accent6"/>
+                </a:solidFill>
+              </a:rPr>
+              <a:t>метод тип повернення і </a:t>
+            </a:r>
+            <a:r>
+              <a:rPr lang="uk-UA" b="1" dirty="0" smtClean="0">
+                <a:solidFill>
+                  <a:schemeClr val="accent6"/>
+                </a:solidFill>
+              </a:rPr>
+              <a:t>сигнатура </a:t>
+            </a:r>
+            <a:r>
+              <a:rPr lang="uk-UA" b="1" dirty="0" smtClean="0">
+                <a:solidFill>
+                  <a:schemeClr val="accent6"/>
+                </a:solidFill>
+              </a:rPr>
+              <a:t>якого  (кількість </a:t>
+            </a:r>
+            <a:r>
+              <a:rPr lang="uk-UA" b="1" dirty="0" smtClean="0">
+                <a:solidFill>
+                  <a:schemeClr val="accent6"/>
+                </a:solidFill>
+              </a:rPr>
+              <a:t>і типи параметрів) відповідає сигнатурі делегата. </a:t>
             </a:r>
             <a:endParaRPr lang="en-US" b="1" dirty="0">
               <a:solidFill>
@@ -14024,6 +14085,7 @@
           </a:bodyPr>
           <a:lstStyle/>
           <a:p>
+            <a:pPr algn="ctr"/>
             <a:r>
               <a:rPr lang="uk-UA" sz="3200" dirty="0" smtClean="0">
                 <a:solidFill>
@@ -14034,37 +14096,34 @@
               </a:rPr>
               <a:t> </a:t>
             </a:r>
-          </a:p>
-          <a:p>
-            <a:r>
-              <a:rPr lang="uk-UA" sz="2000" dirty="0" smtClean="0">
+            <a:r>
+              <a:rPr lang="uk-UA" sz="3200" dirty="0" smtClean="0">
                 <a:solidFill>
                   <a:schemeClr val="tx1"/>
                 </a:solidFill>
                 <a:latin typeface="Times New Roman" panose="02020603050405020304" pitchFamily="18" charset="0"/>
                 <a:cs typeface="Times New Roman" panose="02020603050405020304" pitchFamily="18" charset="0"/>
               </a:rPr>
-              <a:t>Є декілька способів викликати метод прив</a:t>
-            </a:r>
-            <a:r>
-              <a:rPr lang="en-US" sz="2000" dirty="0" smtClean="0">
+              <a:t>Способи виклику делегата</a:t>
+            </a:r>
+            <a:endParaRPr lang="uk-UA" sz="3200" dirty="0" smtClean="0">
+              <a:solidFill>
+                <a:schemeClr val="tx1"/>
+              </a:solidFill>
+              <a:latin typeface="Times New Roman" panose="02020603050405020304" pitchFamily="18" charset="0"/>
+              <a:cs typeface="Times New Roman" panose="02020603050405020304" pitchFamily="18" charset="0"/>
+            </a:endParaRPr>
+          </a:p>
+          <a:p>
+            <a:r>
+              <a:rPr lang="uk-UA" sz="2000" dirty="0" smtClean="0">
                 <a:solidFill>
                   <a:schemeClr val="tx1"/>
                 </a:solidFill>
                 <a:latin typeface="Times New Roman" panose="02020603050405020304" pitchFamily="18" charset="0"/>
                 <a:cs typeface="Times New Roman" panose="02020603050405020304" pitchFamily="18" charset="0"/>
               </a:rPr>
-              <a:t>’</a:t>
-            </a:r>
-            <a:r>
-              <a:rPr lang="ru-RU" sz="2000" dirty="0" smtClean="0">
-                <a:solidFill>
-                  <a:schemeClr val="tx1"/>
-                </a:solidFill>
-                <a:latin typeface="Times New Roman" panose="02020603050405020304" pitchFamily="18" charset="0"/>
-                <a:cs typeface="Times New Roman" panose="02020603050405020304" pitchFamily="18" charset="0"/>
-              </a:rPr>
-              <a:t>язаний до делегата</a:t>
+              <a:t>Є декілька способів викликати метод, на який посилається делегат</a:t>
             </a:r>
             <a:r>
               <a:rPr lang="en-US" sz="2000" dirty="0" smtClean="0">
@@ -14870,7 +14929,27 @@
                 <a:latin typeface="Times New Roman" panose="02020603050405020304" pitchFamily="18" charset="0"/>
                 <a:cs typeface="Times New Roman" panose="02020603050405020304" pitchFamily="18" charset="0"/>
               </a:rPr>
-              <a:t>	В основному делегати використовуються для передач</a:t>
+              <a:t>	</a:t>
+            </a:r>
+            <a:r>
+              <a:rPr lang="ru-RU" dirty="0" smtClean="0">
+                <a:solidFill>
+                  <a:schemeClr val="tx1"/>
+                </a:solidFill>
+                <a:latin typeface="Times New Roman" panose="02020603050405020304" pitchFamily="18" charset="0"/>
+                <a:cs typeface="Times New Roman" panose="02020603050405020304" pitchFamily="18" charset="0"/>
+              </a:rPr>
+              <a:t>В </a:t>
+            </a:r>
+            <a:r>
+              <a:rPr lang="ru-RU" dirty="0">
+                <a:solidFill>
+                  <a:schemeClr val="tx1"/>
+                </a:solidFill>
+                <a:latin typeface="Times New Roman" panose="02020603050405020304" pitchFamily="18" charset="0"/>
+                <a:cs typeface="Times New Roman" panose="02020603050405020304" pitchFamily="18" charset="0"/>
+              </a:rPr>
+              <a:t>основному делегати використовуються для передач</a:t>
             </a:r>
             <a:r>
               <a:rPr lang="uk-UA" dirty="0">
@@ -15695,7 +15774,39 @@
                   <a:schemeClr val="tx1"/>
                 </a:solidFill>
               </a:rPr>
-              <a:t>Є простіший спосіб досягнути того самого результату. Можна викорисати властивість яка називається приведення до делегату. Відповідно ми можемо не створювати екземпляр делегату, а просто передати функцію в метод. </a:t>
+              <a:t>Є простіший спосіб досягнути того самого результату. Можна викорисати властивість яка називається приведення до </a:t>
+            </a:r>
+            <a:r>
+              <a:rPr lang="uk-UA" dirty="0" smtClean="0">
+                <a:solidFill>
+                  <a:schemeClr val="tx1"/>
+                </a:solidFill>
+              </a:rPr>
+              <a:t>делегата. </a:t>
+            </a:r>
+            <a:r>
+              <a:rPr lang="uk-UA" dirty="0" smtClean="0">
+                <a:solidFill>
+                  <a:schemeClr val="tx1"/>
+                </a:solidFill>
+              </a:rPr>
+              <a:t>Відповідно ми можемо не створювати екземпляр </a:t>
+            </a:r>
+            <a:r>
+              <a:rPr lang="uk-UA" dirty="0" smtClean="0">
+                <a:solidFill>
+                  <a:schemeClr val="tx1"/>
+                </a:solidFill>
+              </a:rPr>
+              <a:t>делегата, </a:t>
+            </a:r>
+            <a:r>
+              <a:rPr lang="uk-UA" dirty="0" smtClean="0">
+                <a:solidFill>
+                  <a:schemeClr val="tx1"/>
+                </a:solidFill>
+              </a:rPr>
+              <a:t>а просто передати функцію в метод. </a:t>
             </a:r>
             <a:endParaRPr lang="en-US" dirty="0" smtClean="0">
               <a:solidFill>
@@ -16191,7 +16302,7 @@
                   <a:schemeClr val="tx1"/>
                 </a:solidFill>
               </a:rPr>
-              <a:t>	Однією з особливостей делегатів є можливість підписати на один делегат декілька методів. При виклику делегата всі підписані на нього методи викликатимуться </a:t>
+              <a:t>	Однією з особливостей делегатів є можливість посилатися на декілька методів. При виклику делегата всі його методи викликатимуться </a:t>
             </a:r>
             <a:r>
               <a:rPr lang="en-US" dirty="0" smtClean="0">
